--- a/ppt/시스템프로그래밍_프로젝트_발표자료_곽영주_양현규_박종건.pptx
+++ b/ppt/시스템프로그래밍_프로젝트_발표자료_곽영주_양현규_박종건.pptx
@@ -4461,7 +4461,7 @@
         <p:spPr>
           <a:xfrm>
             <a:off x="8038038" y="2622760"/>
-            <a:ext cx="2914650" cy="261610"/>
+            <a:ext cx="2914650" cy="338554"/>
           </a:xfrm>
           <a:prstGeom prst="rect">
             <a:avLst/>
@@ -4475,11 +4475,11 @@
           <a:lstStyle/>
           <a:p>
             <a:r>
-              <a:rPr lang="en-US" altLang="ko-KR" sz="1100" dirty="0"/>
+              <a:rPr lang="en-US" altLang="ko-KR" sz="1600" dirty="0"/>
               <a:t>download </a:t>
             </a:r>
             <a:r>
-              <a:rPr lang="ko-KR" altLang="en-US" sz="1100" dirty="0"/>
+              <a:rPr lang="ko-KR" altLang="en-US" sz="1600" dirty="0"/>
               <a:t>서비스 선택</a:t>
             </a:r>
           </a:p>
@@ -4500,7 +4500,7 @@
         <p:spPr>
           <a:xfrm>
             <a:off x="8046829" y="4485493"/>
-            <a:ext cx="2914650" cy="261610"/>
+            <a:ext cx="2914650" cy="338554"/>
           </a:xfrm>
           <a:prstGeom prst="rect">
             <a:avLst/>
@@ -4514,11 +4514,11 @@
           <a:lstStyle/>
           <a:p>
             <a:r>
-              <a:rPr lang="en-US" altLang="ko-KR" sz="1100" dirty="0"/>
+              <a:rPr lang="en-US" altLang="ko-KR" sz="1600" dirty="0"/>
               <a:t>download</a:t>
             </a:r>
             <a:r>
-              <a:rPr lang="ko-KR" altLang="en-US" sz="1100" dirty="0"/>
+              <a:rPr lang="ko-KR" altLang="en-US" sz="1600" dirty="0"/>
               <a:t>할 파일 선택</a:t>
             </a:r>
           </a:p>
@@ -4539,7 +4539,7 @@
         <p:spPr>
           <a:xfrm>
             <a:off x="8046828" y="5554495"/>
-            <a:ext cx="2914650" cy="261610"/>
+            <a:ext cx="2914650" cy="338554"/>
           </a:xfrm>
           <a:prstGeom prst="rect">
             <a:avLst/>
@@ -4553,11 +4553,11 @@
           <a:lstStyle/>
           <a:p>
             <a:r>
-              <a:rPr lang="en-US" altLang="ko-KR" sz="1100" dirty="0"/>
+              <a:rPr lang="en-US" altLang="ko-KR" sz="1600" dirty="0"/>
               <a:t>download</a:t>
             </a:r>
             <a:r>
-              <a:rPr lang="ko-KR" altLang="en-US" sz="1100" dirty="0"/>
+              <a:rPr lang="ko-KR" altLang="en-US" sz="1600" dirty="0"/>
               <a:t>한 파일 저장</a:t>
             </a:r>
           </a:p>
@@ -4681,8 +4681,8 @@
         </p:nvSpPr>
         <p:spPr>
           <a:xfrm>
-            <a:off x="4875273" y="3143514"/>
-            <a:ext cx="2914650" cy="261610"/>
+            <a:off x="4638675" y="3146694"/>
+            <a:ext cx="2914650" cy="307777"/>
           </a:xfrm>
           <a:prstGeom prst="rect">
             <a:avLst/>
@@ -4696,10 +4696,10 @@
           <a:lstStyle/>
           <a:p>
             <a:r>
-              <a:rPr lang="ko-KR" altLang="en-US" sz="1100"/>
+              <a:rPr lang="ko-KR" altLang="en-US" sz="1400"/>
               <a:t>파일내용을 클라이언트로 전송</a:t>
             </a:r>
-            <a:endParaRPr lang="ko-KR" altLang="en-US" sz="1100" dirty="0"/>
+            <a:endParaRPr lang="ko-KR" altLang="en-US" sz="1400" dirty="0"/>
           </a:p>
         </p:txBody>
       </p:sp>
@@ -5146,161 +5146,6 @@
           </a:p>
         </p:txBody>
       </p:sp>
-      <p:sp>
-        <p:nvSpPr>
-          <p:cNvPr id="29" name="사각형: 둥근 모서리 28">
-            <a:extLst>
-              <a:ext uri="{FF2B5EF4-FFF2-40B4-BE49-F238E27FC236}">
-                <a16:creationId xmlns:a16="http://schemas.microsoft.com/office/drawing/2014/main" id="{40910C68-FF28-4427-B76E-DD28E79999D4}"/>
-              </a:ext>
-            </a:extLst>
-          </p:cNvPr>
-          <p:cNvSpPr/>
-          <p:nvPr/>
-        </p:nvSpPr>
-        <p:spPr>
-          <a:xfrm>
-            <a:off x="9091552" y="837170"/>
-            <a:ext cx="1283369" cy="481263"/>
-          </a:xfrm>
-          <a:prstGeom prst="roundRect">
-            <a:avLst/>
-          </a:prstGeom>
-          <a:solidFill>
-            <a:schemeClr val="accent4">
-              <a:lumMod val="40000"/>
-              <a:lumOff val="60000"/>
-            </a:schemeClr>
-          </a:solidFill>
-        </p:spPr>
-        <p:style>
-          <a:lnRef idx="2">
-            <a:schemeClr val="dk1"/>
-          </a:lnRef>
-          <a:fillRef idx="1">
-            <a:schemeClr val="lt1"/>
-          </a:fillRef>
-          <a:effectRef idx="0">
-            <a:schemeClr val="dk1"/>
-          </a:effectRef>
-          <a:fontRef idx="minor">
-            <a:schemeClr val="dk1"/>
-          </a:fontRef>
-        </p:style>
-        <p:txBody>
-          <a:bodyPr rtlCol="0" anchor="ctr"/>
-          <a:lstStyle/>
-          <a:p>
-            <a:pPr algn="ctr"/>
-            <a:r>
-              <a:rPr lang="en-US" altLang="ko-KR" b="1" dirty="0"/>
-              <a:t>Client</a:t>
-            </a:r>
-            <a:endParaRPr lang="ko-KR" altLang="en-US" b="1" dirty="0"/>
-          </a:p>
-        </p:txBody>
-      </p:sp>
-      <p:sp>
-        <p:nvSpPr>
-          <p:cNvPr id="30" name="사각형: 둥근 모서리 29">
-            <a:extLst>
-              <a:ext uri="{FF2B5EF4-FFF2-40B4-BE49-F238E27FC236}">
-                <a16:creationId xmlns:a16="http://schemas.microsoft.com/office/drawing/2014/main" id="{341A7FF5-0D3C-4AFB-9555-0F928672AA32}"/>
-              </a:ext>
-            </a:extLst>
-          </p:cNvPr>
-          <p:cNvSpPr/>
-          <p:nvPr/>
-        </p:nvSpPr>
-        <p:spPr>
-          <a:xfrm>
-            <a:off x="5204926" y="837170"/>
-            <a:ext cx="1283369" cy="481263"/>
-          </a:xfrm>
-          <a:prstGeom prst="roundRect">
-            <a:avLst/>
-          </a:prstGeom>
-          <a:solidFill>
-            <a:schemeClr val="accent5">
-              <a:lumMod val="40000"/>
-              <a:lumOff val="60000"/>
-            </a:schemeClr>
-          </a:solidFill>
-        </p:spPr>
-        <p:style>
-          <a:lnRef idx="2">
-            <a:schemeClr val="dk1"/>
-          </a:lnRef>
-          <a:fillRef idx="1">
-            <a:schemeClr val="lt1"/>
-          </a:fillRef>
-          <a:effectRef idx="0">
-            <a:schemeClr val="dk1"/>
-          </a:effectRef>
-          <a:fontRef idx="minor">
-            <a:schemeClr val="dk1"/>
-          </a:fontRef>
-        </p:style>
-        <p:txBody>
-          <a:bodyPr rtlCol="0" anchor="ctr"/>
-          <a:lstStyle/>
-          <a:p>
-            <a:pPr algn="ctr"/>
-            <a:r>
-              <a:rPr lang="en-US" altLang="ko-KR" b="1" dirty="0"/>
-              <a:t>Server</a:t>
-            </a:r>
-            <a:endParaRPr lang="ko-KR" altLang="en-US" b="1" dirty="0"/>
-          </a:p>
-        </p:txBody>
-      </p:sp>
-      <p:cxnSp>
-        <p:nvCxnSpPr>
-          <p:cNvPr id="31" name="직선 화살표 연결선 30">
-            <a:extLst>
-              <a:ext uri="{FF2B5EF4-FFF2-40B4-BE49-F238E27FC236}">
-                <a16:creationId xmlns:a16="http://schemas.microsoft.com/office/drawing/2014/main" id="{3C0E9409-515C-4AF2-8669-EE2F79AA7BE0}"/>
-              </a:ext>
-            </a:extLst>
-          </p:cNvPr>
-          <p:cNvCxnSpPr>
-            <a:cxnSpLocks/>
-          </p:cNvCxnSpPr>
-          <p:nvPr/>
-        </p:nvCxnSpPr>
-        <p:spPr>
-          <a:xfrm flipV="1">
-            <a:off x="6488295" y="1074090"/>
-            <a:ext cx="2603257" cy="1"/>
-          </a:xfrm>
-          <a:prstGeom prst="straightConnector1">
-            <a:avLst/>
-          </a:prstGeom>
-          <a:ln w="28575">
-            <a:solidFill>
-              <a:schemeClr val="bg2">
-                <a:lumMod val="25000"/>
-              </a:schemeClr>
-            </a:solidFill>
-            <a:headEnd type="triangle"/>
-            <a:tailEnd type="triangle"/>
-          </a:ln>
-        </p:spPr>
-        <p:style>
-          <a:lnRef idx="1">
-            <a:schemeClr val="accent3"/>
-          </a:lnRef>
-          <a:fillRef idx="0">
-            <a:schemeClr val="accent3"/>
-          </a:fillRef>
-          <a:effectRef idx="0">
-            <a:schemeClr val="accent3"/>
-          </a:effectRef>
-          <a:fontRef idx="minor">
-            <a:schemeClr val="tx1"/>
-          </a:fontRef>
-        </p:style>
-      </p:cxnSp>
       <p:pic>
         <p:nvPicPr>
           <p:cNvPr id="3" name="그림 2">
@@ -5375,8 +5220,8 @@
         </p:nvSpPr>
         <p:spPr>
           <a:xfrm>
-            <a:off x="7688963" y="5714662"/>
-            <a:ext cx="2914650" cy="261610"/>
+            <a:off x="7688962" y="5714662"/>
+            <a:ext cx="3437979" cy="338554"/>
           </a:xfrm>
           <a:prstGeom prst="rect">
             <a:avLst/>
@@ -5390,7 +5235,7 @@
           <a:lstStyle/>
           <a:p>
             <a:r>
-              <a:rPr lang="ko-KR" altLang="en-US" sz="1100" dirty="0"/>
+              <a:rPr lang="ko-KR" altLang="en-US" sz="1600" dirty="0"/>
               <a:t>클라이언트의 다운로드 파일 목록</a:t>
             </a:r>
           </a:p>
@@ -6123,7 +5968,7 @@
         <p:spPr>
           <a:xfrm>
             <a:off x="462329" y="3135001"/>
-            <a:ext cx="2914650" cy="261610"/>
+            <a:ext cx="2914650" cy="276999"/>
           </a:xfrm>
           <a:prstGeom prst="rect">
             <a:avLst/>
@@ -6137,7 +5982,7 @@
           <a:lstStyle/>
           <a:p>
             <a:r>
-              <a:rPr lang="ko-KR" altLang="en-US" sz="1100" dirty="0"/>
+              <a:rPr lang="ko-KR" altLang="en-US" sz="1200" dirty="0"/>
               <a:t>잘못된 서비스명 입력</a:t>
             </a:r>
           </a:p>
@@ -6158,7 +6003,7 @@
         <p:spPr>
           <a:xfrm>
             <a:off x="4072423" y="3358029"/>
-            <a:ext cx="2914650" cy="261610"/>
+            <a:ext cx="2914650" cy="276999"/>
           </a:xfrm>
           <a:prstGeom prst="rect">
             <a:avLst/>
@@ -6172,7 +6017,7 @@
           <a:lstStyle/>
           <a:p>
             <a:r>
-              <a:rPr lang="ko-KR" altLang="en-US" sz="1100" dirty="0"/>
+              <a:rPr lang="ko-KR" altLang="en-US" sz="1200" dirty="0"/>
               <a:t>존재하지 않는 파일명 입력</a:t>
             </a:r>
           </a:p>
@@ -6193,7 +6038,7 @@
         <p:spPr>
           <a:xfrm>
             <a:off x="4072423" y="5355314"/>
-            <a:ext cx="2914650" cy="261610"/>
+            <a:ext cx="2914650" cy="276999"/>
           </a:xfrm>
           <a:prstGeom prst="rect">
             <a:avLst/>
@@ -6207,7 +6052,7 @@
           <a:lstStyle/>
           <a:p>
             <a:r>
-              <a:rPr lang="ko-KR" altLang="en-US" sz="1100" dirty="0"/>
+              <a:rPr lang="ko-KR" altLang="en-US" sz="1200" dirty="0"/>
               <a:t>업로드할 파일명과 서버의 파일명 중복</a:t>
             </a:r>
           </a:p>
@@ -6228,7 +6073,7 @@
         <p:spPr>
           <a:xfrm>
             <a:off x="8510915" y="3834839"/>
-            <a:ext cx="2914650" cy="261610"/>
+            <a:ext cx="2914650" cy="276999"/>
           </a:xfrm>
           <a:prstGeom prst="rect">
             <a:avLst/>
@@ -6242,7 +6087,7 @@
           <a:lstStyle/>
           <a:p>
             <a:r>
-              <a:rPr lang="ko-KR" altLang="en-US" sz="1100" dirty="0"/>
+              <a:rPr lang="ko-KR" altLang="en-US" sz="1200" dirty="0"/>
               <a:t>서버에 존재하지 않는 파일명 입력</a:t>
             </a:r>
           </a:p>
@@ -6904,8 +6749,8 @@
         </p:nvSpPr>
         <p:spPr>
           <a:xfrm>
-            <a:off x="335902" y="2778734"/>
-            <a:ext cx="6353174" cy="261610"/>
+            <a:off x="335900" y="2860252"/>
+            <a:ext cx="6647605" cy="307777"/>
           </a:xfrm>
           <a:prstGeom prst="rect">
             <a:avLst/>
@@ -6919,15 +6764,15 @@
           <a:lstStyle/>
           <a:p>
             <a:r>
-              <a:rPr lang="ko-KR" altLang="en-US" sz="1100" dirty="0"/>
+              <a:rPr lang="ko-KR" altLang="en-US" sz="1400" dirty="0"/>
               <a:t>클라이언트의 서비스 선택 중 </a:t>
             </a:r>
             <a:r>
-              <a:rPr lang="en-US" altLang="ko-KR" sz="1100" dirty="0"/>
+              <a:rPr lang="en-US" altLang="ko-KR" sz="1400" dirty="0"/>
               <a:t>exit</a:t>
             </a:r>
             <a:r>
-              <a:rPr lang="ko-KR" altLang="en-US" sz="1100" dirty="0"/>
+              <a:rPr lang="ko-KR" altLang="en-US" sz="1400" dirty="0"/>
               <a:t>를 입력하면 클라이언트가 자원을 반납 후 종료 </a:t>
             </a:r>
           </a:p>
@@ -6955,8 +6800,8 @@
         </p:blipFill>
         <p:spPr>
           <a:xfrm>
-            <a:off x="335902" y="2001521"/>
-            <a:ext cx="6400800" cy="733425"/>
+            <a:off x="335901" y="2001521"/>
+            <a:ext cx="6773111" cy="776086"/>
           </a:xfrm>
           <a:prstGeom prst="rect">
             <a:avLst/>
@@ -6985,7 +6830,7 @@
         </p:blipFill>
         <p:spPr>
           <a:xfrm>
-            <a:off x="359714" y="4289483"/>
+            <a:off x="359714" y="3597855"/>
             <a:ext cx="6353175" cy="352425"/>
           </a:xfrm>
           <a:prstGeom prst="rect">
@@ -7007,8 +6852,8 @@
         </p:nvSpPr>
         <p:spPr>
           <a:xfrm>
-            <a:off x="359715" y="4761820"/>
-            <a:ext cx="6353174" cy="430887"/>
+            <a:off x="359715" y="4110329"/>
+            <a:ext cx="6353174" cy="523220"/>
           </a:xfrm>
           <a:prstGeom prst="rect">
             <a:avLst/>
@@ -7022,22 +6867,22 @@
           <a:lstStyle/>
           <a:p>
             <a:r>
-              <a:rPr lang="ko-KR" altLang="en-US" sz="1100" dirty="0"/>
+              <a:rPr lang="ko-KR" altLang="en-US" sz="1400" dirty="0"/>
               <a:t>서버는 클라이언트 종료 시 </a:t>
             </a:r>
             <a:r>
-              <a:rPr lang="en-US" altLang="ko-KR" sz="1100" dirty="0"/>
+              <a:rPr lang="en-US" altLang="ko-KR" sz="1400" dirty="0"/>
               <a:t>[EXIT]</a:t>
             </a:r>
             <a:r>
-              <a:rPr lang="ko-KR" altLang="en-US" sz="1100" dirty="0"/>
+              <a:rPr lang="ko-KR" altLang="en-US" sz="1400" dirty="0"/>
               <a:t> 문구만 띄우고 통신에 쓰인 자원 반납</a:t>
             </a:r>
-            <a:endParaRPr lang="en-US" altLang="ko-KR" sz="1100" dirty="0"/>
-          </a:p>
-          <a:p>
-            <a:r>
-              <a:rPr lang="ko-KR" altLang="en-US" sz="1100" dirty="0"/>
+            <a:endParaRPr lang="en-US" altLang="ko-KR" sz="1400" dirty="0"/>
+          </a:p>
+          <a:p>
+            <a:r>
+              <a:rPr lang="ko-KR" altLang="en-US" sz="1400" dirty="0"/>
               <a:t>종료되지 않고 다른 클라이언트와 계속해서 통신함</a:t>
             </a:r>
           </a:p>
@@ -7261,6 +7106,1258 @@
                 </a:solidFill>
               </a:rPr>
               <a:t>클라이언트 파일 공유 프로그램</a:t>
+            </a:r>
+          </a:p>
+        </p:txBody>
+      </p:sp>
+      <p:sp>
+        <p:nvSpPr>
+          <p:cNvPr id="12" name="타원 11">
+            <a:extLst>
+              <a:ext uri="{FF2B5EF4-FFF2-40B4-BE49-F238E27FC236}">
+                <a16:creationId xmlns:a16="http://schemas.microsoft.com/office/drawing/2014/main" id="{34DD3016-987A-4592-83E8-DFCA8E06698A}"/>
+              </a:ext>
+            </a:extLst>
+          </p:cNvPr>
+          <p:cNvSpPr/>
+          <p:nvPr/>
+        </p:nvSpPr>
+        <p:spPr>
+          <a:xfrm>
+            <a:off x="8801100" y="2924640"/>
+            <a:ext cx="1740877" cy="1670539"/>
+          </a:xfrm>
+          <a:custGeom>
+            <a:avLst/>
+            <a:gdLst>
+              <a:gd name="connsiteX0" fmla="*/ 0 w 1740877"/>
+              <a:gd name="connsiteY0" fmla="*/ 835270 h 1670539"/>
+              <a:gd name="connsiteX1" fmla="*/ 870439 w 1740877"/>
+              <a:gd name="connsiteY1" fmla="*/ 0 h 1670539"/>
+              <a:gd name="connsiteX2" fmla="*/ 1740878 w 1740877"/>
+              <a:gd name="connsiteY2" fmla="*/ 835270 h 1670539"/>
+              <a:gd name="connsiteX3" fmla="*/ 870439 w 1740877"/>
+              <a:gd name="connsiteY3" fmla="*/ 1670540 h 1670539"/>
+              <a:gd name="connsiteX4" fmla="*/ 0 w 1740877"/>
+              <a:gd name="connsiteY4" fmla="*/ 835270 h 1670539"/>
+            </a:gdLst>
+            <a:ahLst/>
+            <a:cxnLst>
+              <a:cxn ang="0">
+                <a:pos x="connsiteX0" y="connsiteY0"/>
+              </a:cxn>
+              <a:cxn ang="0">
+                <a:pos x="connsiteX1" y="connsiteY1"/>
+              </a:cxn>
+              <a:cxn ang="0">
+                <a:pos x="connsiteX2" y="connsiteY2"/>
+              </a:cxn>
+              <a:cxn ang="0">
+                <a:pos x="connsiteX3" y="connsiteY3"/>
+              </a:cxn>
+              <a:cxn ang="0">
+                <a:pos x="connsiteX4" y="connsiteY4"/>
+              </a:cxn>
+            </a:cxnLst>
+            <a:rect l="l" t="t" r="r" b="b"/>
+            <a:pathLst>
+              <a:path w="1740877" h="1670539" fill="none" extrusionOk="0">
+                <a:moveTo>
+                  <a:pt x="0" y="835270"/>
+                </a:moveTo>
+                <a:cubicBezTo>
+                  <a:pt x="-36459" y="339668"/>
+                  <a:pt x="371936" y="-35238"/>
+                  <a:pt x="870439" y="0"/>
+                </a:cubicBezTo>
+                <a:cubicBezTo>
+                  <a:pt x="1383644" y="39839"/>
+                  <a:pt x="1767168" y="392123"/>
+                  <a:pt x="1740878" y="835270"/>
+                </a:cubicBezTo>
+                <a:cubicBezTo>
+                  <a:pt x="1752951" y="1204744"/>
+                  <a:pt x="1309082" y="1635550"/>
+                  <a:pt x="870439" y="1670540"/>
+                </a:cubicBezTo>
+                <a:cubicBezTo>
+                  <a:pt x="335689" y="1701173"/>
+                  <a:pt x="22857" y="1359584"/>
+                  <a:pt x="0" y="835270"/>
+                </a:cubicBezTo>
+                <a:close/>
+              </a:path>
+              <a:path w="1740877" h="1670539" stroke="0" extrusionOk="0">
+                <a:moveTo>
+                  <a:pt x="0" y="835270"/>
+                </a:moveTo>
+                <a:cubicBezTo>
+                  <a:pt x="-22505" y="409697"/>
+                  <a:pt x="402596" y="-11254"/>
+                  <a:pt x="870439" y="0"/>
+                </a:cubicBezTo>
+                <a:cubicBezTo>
+                  <a:pt x="1359289" y="11563"/>
+                  <a:pt x="1770659" y="351935"/>
+                  <a:pt x="1740878" y="835270"/>
+                </a:cubicBezTo>
+                <a:cubicBezTo>
+                  <a:pt x="1749589" y="1252974"/>
+                  <a:pt x="1413016" y="1723635"/>
+                  <a:pt x="870439" y="1670540"/>
+                </a:cubicBezTo>
+                <a:cubicBezTo>
+                  <a:pt x="384577" y="1704384"/>
+                  <a:pt x="-54808" y="1242708"/>
+                  <a:pt x="0" y="835270"/>
+                </a:cubicBezTo>
+                <a:close/>
+              </a:path>
+            </a:pathLst>
+          </a:custGeom>
+          <a:solidFill>
+            <a:schemeClr val="accent1">
+              <a:lumMod val="20000"/>
+              <a:lumOff val="80000"/>
+            </a:schemeClr>
+          </a:solidFill>
+          <a:ln w="38100">
+            <a:extLst>
+              <a:ext uri="{C807C97D-BFC1-408E-A445-0C87EB9F89A2}">
+                <ask:lineSketchStyleProps xmlns:ask="http://schemas.microsoft.com/office/drawing/2018/sketchyshapes" sd="3809068511">
+                  <a:prstGeom prst="ellipse">
+                    <a:avLst/>
+                  </a:prstGeom>
+                  <ask:type>
+                    <ask:lineSketchCurved/>
+                  </ask:type>
+                </ask:lineSketchStyleProps>
+              </a:ext>
+            </a:extLst>
+          </a:ln>
+        </p:spPr>
+        <p:style>
+          <a:lnRef idx="2">
+            <a:schemeClr val="accent1">
+              <a:shade val="50000"/>
+            </a:schemeClr>
+          </a:lnRef>
+          <a:fillRef idx="1">
+            <a:schemeClr val="accent1"/>
+          </a:fillRef>
+          <a:effectRef idx="0">
+            <a:schemeClr val="accent1"/>
+          </a:effectRef>
+          <a:fontRef idx="minor">
+            <a:schemeClr val="lt1"/>
+          </a:fontRef>
+        </p:style>
+        <p:txBody>
+          <a:bodyPr rtlCol="0" anchor="ctr"/>
+          <a:lstStyle/>
+          <a:p>
+            <a:pPr algn="ctr"/>
+            <a:r>
+              <a:rPr lang="ko-KR" altLang="en-US" b="1" dirty="0">
+                <a:solidFill>
+                  <a:schemeClr val="tx1"/>
+                </a:solidFill>
+              </a:rPr>
+              <a:t>서버</a:t>
+            </a:r>
+          </a:p>
+        </p:txBody>
+      </p:sp>
+      <p:pic>
+        <p:nvPicPr>
+          <p:cNvPr id="15" name="그림 14">
+            <a:extLst>
+              <a:ext uri="{FF2B5EF4-FFF2-40B4-BE49-F238E27FC236}">
+                <a16:creationId xmlns:a16="http://schemas.microsoft.com/office/drawing/2014/main" id="{8C4A7702-44C8-4F55-BE33-DEEF69F057E5}"/>
+              </a:ext>
+            </a:extLst>
+          </p:cNvPr>
+          <p:cNvPicPr>
+            <a:picLocks noChangeAspect="1"/>
+          </p:cNvPicPr>
+          <p:nvPr/>
+        </p:nvPicPr>
+        <p:blipFill>
+          <a:blip r:embed="rId5">
+            <a:extLst>
+              <a:ext uri="{28A0092B-C50C-407E-A947-70E740481C1C}">
+                <a14:useLocalDpi xmlns:a14="http://schemas.microsoft.com/office/drawing/2010/main" val="0"/>
+              </a:ext>
+            </a:extLst>
+          </a:blip>
+          <a:stretch>
+            <a:fillRect/>
+          </a:stretch>
+        </p:blipFill>
+        <p:spPr>
+          <a:xfrm rot="16401113">
+            <a:off x="8860507" y="3054236"/>
+            <a:ext cx="1411344" cy="1411344"/>
+          </a:xfrm>
+          <a:prstGeom prst="rect">
+            <a:avLst/>
+          </a:prstGeom>
+        </p:spPr>
+      </p:pic>
+      <p:pic>
+        <p:nvPicPr>
+          <p:cNvPr id="16" name="그림 15">
+            <a:extLst>
+              <a:ext uri="{FF2B5EF4-FFF2-40B4-BE49-F238E27FC236}">
+                <a16:creationId xmlns:a16="http://schemas.microsoft.com/office/drawing/2014/main" id="{17B43087-298E-470A-84B0-1721FA0C6EAA}"/>
+              </a:ext>
+            </a:extLst>
+          </p:cNvPr>
+          <p:cNvPicPr>
+            <a:picLocks noChangeAspect="1"/>
+          </p:cNvPicPr>
+          <p:nvPr/>
+        </p:nvPicPr>
+        <p:blipFill>
+          <a:blip r:embed="rId5">
+            <a:extLst>
+              <a:ext uri="{28A0092B-C50C-407E-A947-70E740481C1C}">
+                <a14:useLocalDpi xmlns:a14="http://schemas.microsoft.com/office/drawing/2010/main" val="0"/>
+              </a:ext>
+            </a:extLst>
+          </a:blip>
+          <a:stretch>
+            <a:fillRect/>
+          </a:stretch>
+        </p:blipFill>
+        <p:spPr>
+          <a:xfrm rot="5400000">
+            <a:off x="9043135" y="3055733"/>
+            <a:ext cx="1411344" cy="1411344"/>
+          </a:xfrm>
+          <a:prstGeom prst="rect">
+            <a:avLst/>
+          </a:prstGeom>
+        </p:spPr>
+      </p:pic>
+      <p:sp>
+        <p:nvSpPr>
+          <p:cNvPr id="17" name="타원 16">
+            <a:extLst>
+              <a:ext uri="{FF2B5EF4-FFF2-40B4-BE49-F238E27FC236}">
+                <a16:creationId xmlns:a16="http://schemas.microsoft.com/office/drawing/2014/main" id="{C6E7CEB9-2E59-4CC2-B155-1AC290220338}"/>
+              </a:ext>
+            </a:extLst>
+          </p:cNvPr>
+          <p:cNvSpPr/>
+          <p:nvPr/>
+        </p:nvSpPr>
+        <p:spPr>
+          <a:xfrm>
+            <a:off x="7931215" y="1969155"/>
+            <a:ext cx="993531" cy="931985"/>
+          </a:xfrm>
+          <a:custGeom>
+            <a:avLst/>
+            <a:gdLst>
+              <a:gd name="connsiteX0" fmla="*/ 0 w 993531"/>
+              <a:gd name="connsiteY0" fmla="*/ 465993 h 931985"/>
+              <a:gd name="connsiteX1" fmla="*/ 496766 w 993531"/>
+              <a:gd name="connsiteY1" fmla="*/ 0 h 931985"/>
+              <a:gd name="connsiteX2" fmla="*/ 993532 w 993531"/>
+              <a:gd name="connsiteY2" fmla="*/ 465993 h 931985"/>
+              <a:gd name="connsiteX3" fmla="*/ 496766 w 993531"/>
+              <a:gd name="connsiteY3" fmla="*/ 931986 h 931985"/>
+              <a:gd name="connsiteX4" fmla="*/ 0 w 993531"/>
+              <a:gd name="connsiteY4" fmla="*/ 465993 h 931985"/>
+            </a:gdLst>
+            <a:ahLst/>
+            <a:cxnLst>
+              <a:cxn ang="0">
+                <a:pos x="connsiteX0" y="connsiteY0"/>
+              </a:cxn>
+              <a:cxn ang="0">
+                <a:pos x="connsiteX1" y="connsiteY1"/>
+              </a:cxn>
+              <a:cxn ang="0">
+                <a:pos x="connsiteX2" y="connsiteY2"/>
+              </a:cxn>
+              <a:cxn ang="0">
+                <a:pos x="connsiteX3" y="connsiteY3"/>
+              </a:cxn>
+              <a:cxn ang="0">
+                <a:pos x="connsiteX4" y="connsiteY4"/>
+              </a:cxn>
+            </a:cxnLst>
+            <a:rect l="l" t="t" r="r" b="b"/>
+            <a:pathLst>
+              <a:path w="993531" h="931985" fill="none" extrusionOk="0">
+                <a:moveTo>
+                  <a:pt x="0" y="465993"/>
+                </a:moveTo>
+                <a:cubicBezTo>
+                  <a:pt x="41150" y="203361"/>
+                  <a:pt x="226380" y="2176"/>
+                  <a:pt x="496766" y="0"/>
+                </a:cubicBezTo>
+                <a:cubicBezTo>
+                  <a:pt x="724663" y="-12813"/>
+                  <a:pt x="1017337" y="214007"/>
+                  <a:pt x="993532" y="465993"/>
+                </a:cubicBezTo>
+                <a:cubicBezTo>
+                  <a:pt x="1018246" y="720883"/>
+                  <a:pt x="753587" y="950594"/>
+                  <a:pt x="496766" y="931986"/>
+                </a:cubicBezTo>
+                <a:cubicBezTo>
+                  <a:pt x="224740" y="939147"/>
+                  <a:pt x="4173" y="765913"/>
+                  <a:pt x="0" y="465993"/>
+                </a:cubicBezTo>
+                <a:close/>
+              </a:path>
+              <a:path w="993531" h="931985" stroke="0" extrusionOk="0">
+                <a:moveTo>
+                  <a:pt x="0" y="465993"/>
+                </a:moveTo>
+                <a:cubicBezTo>
+                  <a:pt x="24336" y="186849"/>
+                  <a:pt x="183880" y="33529"/>
+                  <a:pt x="496766" y="0"/>
+                </a:cubicBezTo>
+                <a:cubicBezTo>
+                  <a:pt x="768323" y="-13768"/>
+                  <a:pt x="989171" y="214060"/>
+                  <a:pt x="993532" y="465993"/>
+                </a:cubicBezTo>
+                <a:cubicBezTo>
+                  <a:pt x="1005269" y="750613"/>
+                  <a:pt x="771635" y="915775"/>
+                  <a:pt x="496766" y="931986"/>
+                </a:cubicBezTo>
+                <a:cubicBezTo>
+                  <a:pt x="221144" y="942190"/>
+                  <a:pt x="-37588" y="713417"/>
+                  <a:pt x="0" y="465993"/>
+                </a:cubicBezTo>
+                <a:close/>
+              </a:path>
+            </a:pathLst>
+          </a:custGeom>
+          <a:solidFill>
+            <a:schemeClr val="accent4">
+              <a:lumMod val="20000"/>
+              <a:lumOff val="80000"/>
+            </a:schemeClr>
+          </a:solidFill>
+          <a:ln w="28575">
+            <a:solidFill>
+              <a:schemeClr val="accent4">
+                <a:lumMod val="75000"/>
+              </a:schemeClr>
+            </a:solidFill>
+            <a:extLst>
+              <a:ext uri="{C807C97D-BFC1-408E-A445-0C87EB9F89A2}">
+                <ask:lineSketchStyleProps xmlns:ask="http://schemas.microsoft.com/office/drawing/2018/sketchyshapes" sd="2091018771">
+                  <a:prstGeom prst="ellipse">
+                    <a:avLst/>
+                  </a:prstGeom>
+                  <ask:type>
+                    <ask:lineSketchCurved/>
+                  </ask:type>
+                </ask:lineSketchStyleProps>
+              </a:ext>
+            </a:extLst>
+          </a:ln>
+        </p:spPr>
+        <p:style>
+          <a:lnRef idx="2">
+            <a:schemeClr val="accent1">
+              <a:shade val="50000"/>
+            </a:schemeClr>
+          </a:lnRef>
+          <a:fillRef idx="1">
+            <a:schemeClr val="accent1"/>
+          </a:fillRef>
+          <a:effectRef idx="0">
+            <a:schemeClr val="accent1"/>
+          </a:effectRef>
+          <a:fontRef idx="minor">
+            <a:schemeClr val="lt1"/>
+          </a:fontRef>
+        </p:style>
+        <p:txBody>
+          <a:bodyPr rtlCol="0" anchor="ctr"/>
+          <a:lstStyle/>
+          <a:p>
+            <a:pPr algn="ctr"/>
+            <a:r>
+              <a:rPr lang="ko-KR" altLang="en-US" sz="800" b="1" dirty="0">
+                <a:solidFill>
+                  <a:schemeClr val="tx1"/>
+                </a:solidFill>
+              </a:rPr>
+              <a:t>클라이언트</a:t>
+            </a:r>
+          </a:p>
+        </p:txBody>
+      </p:sp>
+      <p:sp>
+        <p:nvSpPr>
+          <p:cNvPr id="18" name="타원 17">
+            <a:extLst>
+              <a:ext uri="{FF2B5EF4-FFF2-40B4-BE49-F238E27FC236}">
+                <a16:creationId xmlns:a16="http://schemas.microsoft.com/office/drawing/2014/main" id="{60E5EEB0-E552-4C2A-89E5-965654201911}"/>
+              </a:ext>
+            </a:extLst>
+          </p:cNvPr>
+          <p:cNvSpPr/>
+          <p:nvPr/>
+        </p:nvSpPr>
+        <p:spPr>
+          <a:xfrm>
+            <a:off x="8030250" y="4712859"/>
+            <a:ext cx="993531" cy="931985"/>
+          </a:xfrm>
+          <a:custGeom>
+            <a:avLst/>
+            <a:gdLst>
+              <a:gd name="connsiteX0" fmla="*/ 0 w 993531"/>
+              <a:gd name="connsiteY0" fmla="*/ 465993 h 931985"/>
+              <a:gd name="connsiteX1" fmla="*/ 496766 w 993531"/>
+              <a:gd name="connsiteY1" fmla="*/ 0 h 931985"/>
+              <a:gd name="connsiteX2" fmla="*/ 993532 w 993531"/>
+              <a:gd name="connsiteY2" fmla="*/ 465993 h 931985"/>
+              <a:gd name="connsiteX3" fmla="*/ 496766 w 993531"/>
+              <a:gd name="connsiteY3" fmla="*/ 931986 h 931985"/>
+              <a:gd name="connsiteX4" fmla="*/ 0 w 993531"/>
+              <a:gd name="connsiteY4" fmla="*/ 465993 h 931985"/>
+            </a:gdLst>
+            <a:ahLst/>
+            <a:cxnLst>
+              <a:cxn ang="0">
+                <a:pos x="connsiteX0" y="connsiteY0"/>
+              </a:cxn>
+              <a:cxn ang="0">
+                <a:pos x="connsiteX1" y="connsiteY1"/>
+              </a:cxn>
+              <a:cxn ang="0">
+                <a:pos x="connsiteX2" y="connsiteY2"/>
+              </a:cxn>
+              <a:cxn ang="0">
+                <a:pos x="connsiteX3" y="connsiteY3"/>
+              </a:cxn>
+              <a:cxn ang="0">
+                <a:pos x="connsiteX4" y="connsiteY4"/>
+              </a:cxn>
+            </a:cxnLst>
+            <a:rect l="l" t="t" r="r" b="b"/>
+            <a:pathLst>
+              <a:path w="993531" h="931985" fill="none" extrusionOk="0">
+                <a:moveTo>
+                  <a:pt x="0" y="465993"/>
+                </a:moveTo>
+                <a:cubicBezTo>
+                  <a:pt x="41150" y="203361"/>
+                  <a:pt x="226380" y="2176"/>
+                  <a:pt x="496766" y="0"/>
+                </a:cubicBezTo>
+                <a:cubicBezTo>
+                  <a:pt x="724663" y="-12813"/>
+                  <a:pt x="1017337" y="214007"/>
+                  <a:pt x="993532" y="465993"/>
+                </a:cubicBezTo>
+                <a:cubicBezTo>
+                  <a:pt x="1018246" y="720883"/>
+                  <a:pt x="753587" y="950594"/>
+                  <a:pt x="496766" y="931986"/>
+                </a:cubicBezTo>
+                <a:cubicBezTo>
+                  <a:pt x="224740" y="939147"/>
+                  <a:pt x="4173" y="765913"/>
+                  <a:pt x="0" y="465993"/>
+                </a:cubicBezTo>
+                <a:close/>
+              </a:path>
+              <a:path w="993531" h="931985" stroke="0" extrusionOk="0">
+                <a:moveTo>
+                  <a:pt x="0" y="465993"/>
+                </a:moveTo>
+                <a:cubicBezTo>
+                  <a:pt x="24336" y="186849"/>
+                  <a:pt x="183880" y="33529"/>
+                  <a:pt x="496766" y="0"/>
+                </a:cubicBezTo>
+                <a:cubicBezTo>
+                  <a:pt x="768323" y="-13768"/>
+                  <a:pt x="989171" y="214060"/>
+                  <a:pt x="993532" y="465993"/>
+                </a:cubicBezTo>
+                <a:cubicBezTo>
+                  <a:pt x="1005269" y="750613"/>
+                  <a:pt x="771635" y="915775"/>
+                  <a:pt x="496766" y="931986"/>
+                </a:cubicBezTo>
+                <a:cubicBezTo>
+                  <a:pt x="221144" y="942190"/>
+                  <a:pt x="-37588" y="713417"/>
+                  <a:pt x="0" y="465993"/>
+                </a:cubicBezTo>
+                <a:close/>
+              </a:path>
+            </a:pathLst>
+          </a:custGeom>
+          <a:solidFill>
+            <a:schemeClr val="accent4">
+              <a:lumMod val="20000"/>
+              <a:lumOff val="80000"/>
+            </a:schemeClr>
+          </a:solidFill>
+          <a:ln w="28575">
+            <a:solidFill>
+              <a:schemeClr val="accent4">
+                <a:lumMod val="75000"/>
+              </a:schemeClr>
+            </a:solidFill>
+            <a:extLst>
+              <a:ext uri="{C807C97D-BFC1-408E-A445-0C87EB9F89A2}">
+                <ask:lineSketchStyleProps xmlns:ask="http://schemas.microsoft.com/office/drawing/2018/sketchyshapes" sd="2091018771">
+                  <a:prstGeom prst="ellipse">
+                    <a:avLst/>
+                  </a:prstGeom>
+                  <ask:type>
+                    <ask:lineSketchCurved/>
+                  </ask:type>
+                </ask:lineSketchStyleProps>
+              </a:ext>
+            </a:extLst>
+          </a:ln>
+        </p:spPr>
+        <p:style>
+          <a:lnRef idx="2">
+            <a:schemeClr val="accent1">
+              <a:shade val="50000"/>
+            </a:schemeClr>
+          </a:lnRef>
+          <a:fillRef idx="1">
+            <a:schemeClr val="accent1"/>
+          </a:fillRef>
+          <a:effectRef idx="0">
+            <a:schemeClr val="accent1"/>
+          </a:effectRef>
+          <a:fontRef idx="minor">
+            <a:schemeClr val="lt1"/>
+          </a:fontRef>
+        </p:style>
+        <p:txBody>
+          <a:bodyPr rtlCol="0" anchor="ctr"/>
+          <a:lstStyle/>
+          <a:p>
+            <a:pPr algn="ctr"/>
+            <a:r>
+              <a:rPr lang="ko-KR" altLang="en-US" sz="800" b="1" dirty="0">
+                <a:solidFill>
+                  <a:schemeClr val="tx1"/>
+                </a:solidFill>
+              </a:rPr>
+              <a:t>클라이언트</a:t>
+            </a:r>
+          </a:p>
+        </p:txBody>
+      </p:sp>
+      <p:sp>
+        <p:nvSpPr>
+          <p:cNvPr id="19" name="타원 18">
+            <a:extLst>
+              <a:ext uri="{FF2B5EF4-FFF2-40B4-BE49-F238E27FC236}">
+                <a16:creationId xmlns:a16="http://schemas.microsoft.com/office/drawing/2014/main" id="{340FF0EB-3FF3-437E-B547-302C04303742}"/>
+              </a:ext>
+            </a:extLst>
+          </p:cNvPr>
+          <p:cNvSpPr/>
+          <p:nvPr/>
+        </p:nvSpPr>
+        <p:spPr>
+          <a:xfrm>
+            <a:off x="10480672" y="2096924"/>
+            <a:ext cx="993531" cy="931985"/>
+          </a:xfrm>
+          <a:custGeom>
+            <a:avLst/>
+            <a:gdLst>
+              <a:gd name="connsiteX0" fmla="*/ 0 w 993531"/>
+              <a:gd name="connsiteY0" fmla="*/ 465993 h 931985"/>
+              <a:gd name="connsiteX1" fmla="*/ 496766 w 993531"/>
+              <a:gd name="connsiteY1" fmla="*/ 0 h 931985"/>
+              <a:gd name="connsiteX2" fmla="*/ 993532 w 993531"/>
+              <a:gd name="connsiteY2" fmla="*/ 465993 h 931985"/>
+              <a:gd name="connsiteX3" fmla="*/ 496766 w 993531"/>
+              <a:gd name="connsiteY3" fmla="*/ 931986 h 931985"/>
+              <a:gd name="connsiteX4" fmla="*/ 0 w 993531"/>
+              <a:gd name="connsiteY4" fmla="*/ 465993 h 931985"/>
+            </a:gdLst>
+            <a:ahLst/>
+            <a:cxnLst>
+              <a:cxn ang="0">
+                <a:pos x="connsiteX0" y="connsiteY0"/>
+              </a:cxn>
+              <a:cxn ang="0">
+                <a:pos x="connsiteX1" y="connsiteY1"/>
+              </a:cxn>
+              <a:cxn ang="0">
+                <a:pos x="connsiteX2" y="connsiteY2"/>
+              </a:cxn>
+              <a:cxn ang="0">
+                <a:pos x="connsiteX3" y="connsiteY3"/>
+              </a:cxn>
+              <a:cxn ang="0">
+                <a:pos x="connsiteX4" y="connsiteY4"/>
+              </a:cxn>
+            </a:cxnLst>
+            <a:rect l="l" t="t" r="r" b="b"/>
+            <a:pathLst>
+              <a:path w="993531" h="931985" fill="none" extrusionOk="0">
+                <a:moveTo>
+                  <a:pt x="0" y="465993"/>
+                </a:moveTo>
+                <a:cubicBezTo>
+                  <a:pt x="41150" y="203361"/>
+                  <a:pt x="226380" y="2176"/>
+                  <a:pt x="496766" y="0"/>
+                </a:cubicBezTo>
+                <a:cubicBezTo>
+                  <a:pt x="724663" y="-12813"/>
+                  <a:pt x="1017337" y="214007"/>
+                  <a:pt x="993532" y="465993"/>
+                </a:cubicBezTo>
+                <a:cubicBezTo>
+                  <a:pt x="1018246" y="720883"/>
+                  <a:pt x="753587" y="950594"/>
+                  <a:pt x="496766" y="931986"/>
+                </a:cubicBezTo>
+                <a:cubicBezTo>
+                  <a:pt x="224740" y="939147"/>
+                  <a:pt x="4173" y="765913"/>
+                  <a:pt x="0" y="465993"/>
+                </a:cubicBezTo>
+                <a:close/>
+              </a:path>
+              <a:path w="993531" h="931985" stroke="0" extrusionOk="0">
+                <a:moveTo>
+                  <a:pt x="0" y="465993"/>
+                </a:moveTo>
+                <a:cubicBezTo>
+                  <a:pt x="24336" y="186849"/>
+                  <a:pt x="183880" y="33529"/>
+                  <a:pt x="496766" y="0"/>
+                </a:cubicBezTo>
+                <a:cubicBezTo>
+                  <a:pt x="768323" y="-13768"/>
+                  <a:pt x="989171" y="214060"/>
+                  <a:pt x="993532" y="465993"/>
+                </a:cubicBezTo>
+                <a:cubicBezTo>
+                  <a:pt x="1005269" y="750613"/>
+                  <a:pt x="771635" y="915775"/>
+                  <a:pt x="496766" y="931986"/>
+                </a:cubicBezTo>
+                <a:cubicBezTo>
+                  <a:pt x="221144" y="942190"/>
+                  <a:pt x="-37588" y="713417"/>
+                  <a:pt x="0" y="465993"/>
+                </a:cubicBezTo>
+                <a:close/>
+              </a:path>
+            </a:pathLst>
+          </a:custGeom>
+          <a:solidFill>
+            <a:schemeClr val="accent4">
+              <a:lumMod val="20000"/>
+              <a:lumOff val="80000"/>
+            </a:schemeClr>
+          </a:solidFill>
+          <a:ln w="28575">
+            <a:solidFill>
+              <a:schemeClr val="accent4">
+                <a:lumMod val="75000"/>
+              </a:schemeClr>
+            </a:solidFill>
+            <a:extLst>
+              <a:ext uri="{C807C97D-BFC1-408E-A445-0C87EB9F89A2}">
+                <ask:lineSketchStyleProps xmlns:ask="http://schemas.microsoft.com/office/drawing/2018/sketchyshapes" sd="2091018771">
+                  <a:prstGeom prst="ellipse">
+                    <a:avLst/>
+                  </a:prstGeom>
+                  <ask:type>
+                    <ask:lineSketchCurved/>
+                  </ask:type>
+                </ask:lineSketchStyleProps>
+              </a:ext>
+            </a:extLst>
+          </a:ln>
+        </p:spPr>
+        <p:style>
+          <a:lnRef idx="2">
+            <a:schemeClr val="accent1">
+              <a:shade val="50000"/>
+            </a:schemeClr>
+          </a:lnRef>
+          <a:fillRef idx="1">
+            <a:schemeClr val="accent1"/>
+          </a:fillRef>
+          <a:effectRef idx="0">
+            <a:schemeClr val="accent1"/>
+          </a:effectRef>
+          <a:fontRef idx="minor">
+            <a:schemeClr val="lt1"/>
+          </a:fontRef>
+        </p:style>
+        <p:txBody>
+          <a:bodyPr rtlCol="0" anchor="ctr"/>
+          <a:lstStyle/>
+          <a:p>
+            <a:pPr algn="ctr"/>
+            <a:r>
+              <a:rPr lang="ko-KR" altLang="en-US" sz="800" b="1" dirty="0">
+                <a:solidFill>
+                  <a:schemeClr val="tx1"/>
+                </a:solidFill>
+              </a:rPr>
+              <a:t>클라이언트</a:t>
+            </a:r>
+          </a:p>
+        </p:txBody>
+      </p:sp>
+      <p:sp>
+        <p:nvSpPr>
+          <p:cNvPr id="20" name="타원 19">
+            <a:extLst>
+              <a:ext uri="{FF2B5EF4-FFF2-40B4-BE49-F238E27FC236}">
+                <a16:creationId xmlns:a16="http://schemas.microsoft.com/office/drawing/2014/main" id="{F582B6B2-2D1E-4992-ABDB-768C213F6F4C}"/>
+              </a:ext>
+            </a:extLst>
+          </p:cNvPr>
+          <p:cNvSpPr/>
+          <p:nvPr/>
+        </p:nvSpPr>
+        <p:spPr>
+          <a:xfrm>
+            <a:off x="10435125" y="4790296"/>
+            <a:ext cx="993531" cy="931985"/>
+          </a:xfrm>
+          <a:custGeom>
+            <a:avLst/>
+            <a:gdLst>
+              <a:gd name="connsiteX0" fmla="*/ 0 w 993531"/>
+              <a:gd name="connsiteY0" fmla="*/ 465993 h 931985"/>
+              <a:gd name="connsiteX1" fmla="*/ 496766 w 993531"/>
+              <a:gd name="connsiteY1" fmla="*/ 0 h 931985"/>
+              <a:gd name="connsiteX2" fmla="*/ 993532 w 993531"/>
+              <a:gd name="connsiteY2" fmla="*/ 465993 h 931985"/>
+              <a:gd name="connsiteX3" fmla="*/ 496766 w 993531"/>
+              <a:gd name="connsiteY3" fmla="*/ 931986 h 931985"/>
+              <a:gd name="connsiteX4" fmla="*/ 0 w 993531"/>
+              <a:gd name="connsiteY4" fmla="*/ 465993 h 931985"/>
+            </a:gdLst>
+            <a:ahLst/>
+            <a:cxnLst>
+              <a:cxn ang="0">
+                <a:pos x="connsiteX0" y="connsiteY0"/>
+              </a:cxn>
+              <a:cxn ang="0">
+                <a:pos x="connsiteX1" y="connsiteY1"/>
+              </a:cxn>
+              <a:cxn ang="0">
+                <a:pos x="connsiteX2" y="connsiteY2"/>
+              </a:cxn>
+              <a:cxn ang="0">
+                <a:pos x="connsiteX3" y="connsiteY3"/>
+              </a:cxn>
+              <a:cxn ang="0">
+                <a:pos x="connsiteX4" y="connsiteY4"/>
+              </a:cxn>
+            </a:cxnLst>
+            <a:rect l="l" t="t" r="r" b="b"/>
+            <a:pathLst>
+              <a:path w="993531" h="931985" fill="none" extrusionOk="0">
+                <a:moveTo>
+                  <a:pt x="0" y="465993"/>
+                </a:moveTo>
+                <a:cubicBezTo>
+                  <a:pt x="41150" y="203361"/>
+                  <a:pt x="226380" y="2176"/>
+                  <a:pt x="496766" y="0"/>
+                </a:cubicBezTo>
+                <a:cubicBezTo>
+                  <a:pt x="724663" y="-12813"/>
+                  <a:pt x="1017337" y="214007"/>
+                  <a:pt x="993532" y="465993"/>
+                </a:cubicBezTo>
+                <a:cubicBezTo>
+                  <a:pt x="1018246" y="720883"/>
+                  <a:pt x="753587" y="950594"/>
+                  <a:pt x="496766" y="931986"/>
+                </a:cubicBezTo>
+                <a:cubicBezTo>
+                  <a:pt x="224740" y="939147"/>
+                  <a:pt x="4173" y="765913"/>
+                  <a:pt x="0" y="465993"/>
+                </a:cubicBezTo>
+                <a:close/>
+              </a:path>
+              <a:path w="993531" h="931985" stroke="0" extrusionOk="0">
+                <a:moveTo>
+                  <a:pt x="0" y="465993"/>
+                </a:moveTo>
+                <a:cubicBezTo>
+                  <a:pt x="24336" y="186849"/>
+                  <a:pt x="183880" y="33529"/>
+                  <a:pt x="496766" y="0"/>
+                </a:cubicBezTo>
+                <a:cubicBezTo>
+                  <a:pt x="768323" y="-13768"/>
+                  <a:pt x="989171" y="214060"/>
+                  <a:pt x="993532" y="465993"/>
+                </a:cubicBezTo>
+                <a:cubicBezTo>
+                  <a:pt x="1005269" y="750613"/>
+                  <a:pt x="771635" y="915775"/>
+                  <a:pt x="496766" y="931986"/>
+                </a:cubicBezTo>
+                <a:cubicBezTo>
+                  <a:pt x="221144" y="942190"/>
+                  <a:pt x="-37588" y="713417"/>
+                  <a:pt x="0" y="465993"/>
+                </a:cubicBezTo>
+                <a:close/>
+              </a:path>
+            </a:pathLst>
+          </a:custGeom>
+          <a:solidFill>
+            <a:schemeClr val="accent4">
+              <a:lumMod val="20000"/>
+              <a:lumOff val="80000"/>
+            </a:schemeClr>
+          </a:solidFill>
+          <a:ln w="28575">
+            <a:solidFill>
+              <a:schemeClr val="accent4">
+                <a:lumMod val="75000"/>
+              </a:schemeClr>
+            </a:solidFill>
+            <a:extLst>
+              <a:ext uri="{C807C97D-BFC1-408E-A445-0C87EB9F89A2}">
+                <ask:lineSketchStyleProps xmlns:ask="http://schemas.microsoft.com/office/drawing/2018/sketchyshapes" sd="2091018771">
+                  <a:prstGeom prst="ellipse">
+                    <a:avLst/>
+                  </a:prstGeom>
+                  <ask:type>
+                    <ask:lineSketchCurved/>
+                  </ask:type>
+                </ask:lineSketchStyleProps>
+              </a:ext>
+            </a:extLst>
+          </a:ln>
+        </p:spPr>
+        <p:style>
+          <a:lnRef idx="2">
+            <a:schemeClr val="accent1">
+              <a:shade val="50000"/>
+            </a:schemeClr>
+          </a:lnRef>
+          <a:fillRef idx="1">
+            <a:schemeClr val="accent1"/>
+          </a:fillRef>
+          <a:effectRef idx="0">
+            <a:schemeClr val="accent1"/>
+          </a:effectRef>
+          <a:fontRef idx="minor">
+            <a:schemeClr val="lt1"/>
+          </a:fontRef>
+        </p:style>
+        <p:txBody>
+          <a:bodyPr rtlCol="0" anchor="ctr"/>
+          <a:lstStyle/>
+          <a:p>
+            <a:pPr algn="ctr"/>
+            <a:r>
+              <a:rPr lang="ko-KR" altLang="en-US" sz="800" b="1" dirty="0">
+                <a:solidFill>
+                  <a:schemeClr val="tx1"/>
+                </a:solidFill>
+              </a:rPr>
+              <a:t>클라이언트</a:t>
+            </a:r>
+          </a:p>
+        </p:txBody>
+      </p:sp>
+      <p:cxnSp>
+        <p:nvCxnSpPr>
+          <p:cNvPr id="21" name="직선 화살표 연결선 20">
+            <a:extLst>
+              <a:ext uri="{FF2B5EF4-FFF2-40B4-BE49-F238E27FC236}">
+                <a16:creationId xmlns:a16="http://schemas.microsoft.com/office/drawing/2014/main" id="{E07342B5-A5AA-492B-8498-9CCDAC8D51E2}"/>
+              </a:ext>
+            </a:extLst>
+          </p:cNvPr>
+          <p:cNvCxnSpPr>
+            <a:stCxn id="17" idx="5"/>
+          </p:cNvCxnSpPr>
+          <p:nvPr/>
+        </p:nvCxnSpPr>
+        <p:spPr>
+          <a:xfrm>
+            <a:off x="8779247" y="2764654"/>
+            <a:ext cx="244534" cy="374200"/>
+          </a:xfrm>
+          <a:prstGeom prst="straightConnector1">
+            <a:avLst/>
+          </a:prstGeom>
+          <a:ln w="38100">
+            <a:solidFill>
+              <a:schemeClr val="bg2">
+                <a:lumMod val="50000"/>
+              </a:schemeClr>
+            </a:solidFill>
+            <a:headEnd type="triangle"/>
+            <a:tailEnd type="triangle"/>
+          </a:ln>
+        </p:spPr>
+        <p:style>
+          <a:lnRef idx="1">
+            <a:schemeClr val="accent1"/>
+          </a:lnRef>
+          <a:fillRef idx="0">
+            <a:schemeClr val="accent1"/>
+          </a:fillRef>
+          <a:effectRef idx="0">
+            <a:schemeClr val="accent1"/>
+          </a:effectRef>
+          <a:fontRef idx="minor">
+            <a:schemeClr val="tx1"/>
+          </a:fontRef>
+        </p:style>
+      </p:cxnSp>
+      <p:cxnSp>
+        <p:nvCxnSpPr>
+          <p:cNvPr id="22" name="직선 화살표 연결선 21">
+            <a:extLst>
+              <a:ext uri="{FF2B5EF4-FFF2-40B4-BE49-F238E27FC236}">
+                <a16:creationId xmlns:a16="http://schemas.microsoft.com/office/drawing/2014/main" id="{4440F0E5-82B1-4FA3-8212-B194FCACB33A}"/>
+              </a:ext>
+            </a:extLst>
+          </p:cNvPr>
+          <p:cNvCxnSpPr>
+            <a:cxnSpLocks/>
+            <a:stCxn id="19" idx="3"/>
+          </p:cNvCxnSpPr>
+          <p:nvPr/>
+        </p:nvCxnSpPr>
+        <p:spPr>
+          <a:xfrm flipH="1">
+            <a:off x="10322831" y="2892423"/>
+            <a:ext cx="303340" cy="275542"/>
+          </a:xfrm>
+          <a:prstGeom prst="straightConnector1">
+            <a:avLst/>
+          </a:prstGeom>
+          <a:ln w="38100">
+            <a:solidFill>
+              <a:schemeClr val="bg2">
+                <a:lumMod val="50000"/>
+              </a:schemeClr>
+            </a:solidFill>
+            <a:headEnd type="triangle"/>
+            <a:tailEnd type="triangle"/>
+          </a:ln>
+        </p:spPr>
+        <p:style>
+          <a:lnRef idx="1">
+            <a:schemeClr val="accent1"/>
+          </a:lnRef>
+          <a:fillRef idx="0">
+            <a:schemeClr val="accent1"/>
+          </a:fillRef>
+          <a:effectRef idx="0">
+            <a:schemeClr val="accent1"/>
+          </a:effectRef>
+          <a:fontRef idx="minor">
+            <a:schemeClr val="tx1"/>
+          </a:fontRef>
+        </p:style>
+      </p:cxnSp>
+      <p:cxnSp>
+        <p:nvCxnSpPr>
+          <p:cNvPr id="23" name="직선 화살표 연결선 22">
+            <a:extLst>
+              <a:ext uri="{FF2B5EF4-FFF2-40B4-BE49-F238E27FC236}">
+                <a16:creationId xmlns:a16="http://schemas.microsoft.com/office/drawing/2014/main" id="{896B90C6-140A-4A78-93F2-29A31C2AB4DA}"/>
+              </a:ext>
+            </a:extLst>
+          </p:cNvPr>
+          <p:cNvCxnSpPr>
+            <a:cxnSpLocks/>
+          </p:cNvCxnSpPr>
+          <p:nvPr/>
+        </p:nvCxnSpPr>
+        <p:spPr>
+          <a:xfrm flipH="1">
+            <a:off x="8836822" y="4425695"/>
+            <a:ext cx="268594" cy="373571"/>
+          </a:xfrm>
+          <a:prstGeom prst="straightConnector1">
+            <a:avLst/>
+          </a:prstGeom>
+          <a:ln w="38100">
+            <a:solidFill>
+              <a:schemeClr val="bg2">
+                <a:lumMod val="50000"/>
+              </a:schemeClr>
+            </a:solidFill>
+            <a:headEnd type="triangle"/>
+            <a:tailEnd type="triangle"/>
+          </a:ln>
+        </p:spPr>
+        <p:style>
+          <a:lnRef idx="1">
+            <a:schemeClr val="accent1"/>
+          </a:lnRef>
+          <a:fillRef idx="0">
+            <a:schemeClr val="accent1"/>
+          </a:fillRef>
+          <a:effectRef idx="0">
+            <a:schemeClr val="accent1"/>
+          </a:effectRef>
+          <a:fontRef idx="minor">
+            <a:schemeClr val="tx1"/>
+          </a:fontRef>
+        </p:style>
+      </p:cxnSp>
+      <p:cxnSp>
+        <p:nvCxnSpPr>
+          <p:cNvPr id="24" name="직선 화살표 연결선 23">
+            <a:extLst>
+              <a:ext uri="{FF2B5EF4-FFF2-40B4-BE49-F238E27FC236}">
+                <a16:creationId xmlns:a16="http://schemas.microsoft.com/office/drawing/2014/main" id="{4022D611-CFDD-4525-B719-750F8C6CA2C1}"/>
+              </a:ext>
+            </a:extLst>
+          </p:cNvPr>
+          <p:cNvCxnSpPr>
+            <a:cxnSpLocks/>
+          </p:cNvCxnSpPr>
+          <p:nvPr/>
+        </p:nvCxnSpPr>
+        <p:spPr>
+          <a:xfrm flipH="1" flipV="1">
+            <a:off x="10322831" y="4360986"/>
+            <a:ext cx="299253" cy="470009"/>
+          </a:xfrm>
+          <a:prstGeom prst="straightConnector1">
+            <a:avLst/>
+          </a:prstGeom>
+          <a:ln w="38100">
+            <a:solidFill>
+              <a:schemeClr val="bg2">
+                <a:lumMod val="50000"/>
+              </a:schemeClr>
+            </a:solidFill>
+            <a:headEnd type="triangle"/>
+            <a:tailEnd type="triangle"/>
+          </a:ln>
+        </p:spPr>
+        <p:style>
+          <a:lnRef idx="1">
+            <a:schemeClr val="accent1"/>
+          </a:lnRef>
+          <a:fillRef idx="0">
+            <a:schemeClr val="accent1"/>
+          </a:fillRef>
+          <a:effectRef idx="0">
+            <a:schemeClr val="accent1"/>
+          </a:effectRef>
+          <a:fontRef idx="minor">
+            <a:schemeClr val="tx1"/>
+          </a:fontRef>
+        </p:style>
+      </p:cxnSp>
+      <p:sp>
+        <p:nvSpPr>
+          <p:cNvPr id="40" name="TextBox 39">
+            <a:extLst>
+              <a:ext uri="{FF2B5EF4-FFF2-40B4-BE49-F238E27FC236}">
+                <a16:creationId xmlns:a16="http://schemas.microsoft.com/office/drawing/2014/main" id="{FEFFAE22-A4D8-4099-B6A0-ECA96F65267C}"/>
+              </a:ext>
+            </a:extLst>
+          </p:cNvPr>
+          <p:cNvSpPr txBox="1"/>
+          <p:nvPr/>
+        </p:nvSpPr>
+        <p:spPr>
+          <a:xfrm>
+            <a:off x="8836822" y="5391639"/>
+            <a:ext cx="6353174" cy="461665"/>
+          </a:xfrm>
+          <a:prstGeom prst="rect">
+            <a:avLst/>
+          </a:prstGeom>
+          <a:noFill/>
+        </p:spPr>
+        <p:txBody>
+          <a:bodyPr wrap="square" rtlCol="0">
+            <a:spAutoFit/>
+          </a:bodyPr>
+          <a:lstStyle/>
+          <a:p>
+            <a:r>
+              <a:rPr lang="en-US" altLang="ko-KR" sz="1200" b="1" dirty="0"/>
+              <a:t>exit </a:t>
+            </a:r>
+            <a:r>
+              <a:rPr lang="ko-KR" altLang="en-US" sz="1200" b="1" dirty="0"/>
+              <a:t>입력</a:t>
+            </a:r>
+            <a:endParaRPr lang="en-US" altLang="ko-KR" sz="1200" b="1" dirty="0"/>
+          </a:p>
+          <a:p>
+            <a:r>
+              <a:rPr lang="ko-KR" altLang="en-US" sz="1200" b="1" dirty="0"/>
+              <a:t>자원 반납 후 종료</a:t>
+            </a:r>
+          </a:p>
+        </p:txBody>
+      </p:sp>
+      <p:cxnSp>
+        <p:nvCxnSpPr>
+          <p:cNvPr id="4" name="직선 연결선 3">
+            <a:extLst>
+              <a:ext uri="{FF2B5EF4-FFF2-40B4-BE49-F238E27FC236}">
+                <a16:creationId xmlns:a16="http://schemas.microsoft.com/office/drawing/2014/main" id="{3997FC4E-50EB-455D-A3A3-37400A61BEC3}"/>
+              </a:ext>
+            </a:extLst>
+          </p:cNvPr>
+          <p:cNvCxnSpPr>
+            <a:cxnSpLocks/>
+          </p:cNvCxnSpPr>
+          <p:nvPr/>
+        </p:nvCxnSpPr>
+        <p:spPr>
+          <a:xfrm>
+            <a:off x="8856670" y="4497999"/>
+            <a:ext cx="216862" cy="212181"/>
+          </a:xfrm>
+          <a:prstGeom prst="line">
+            <a:avLst/>
+          </a:prstGeom>
+          <a:ln w="28575">
+            <a:solidFill>
+              <a:srgbClr val="FF0000"/>
+            </a:solidFill>
+          </a:ln>
+        </p:spPr>
+        <p:style>
+          <a:lnRef idx="1">
+            <a:schemeClr val="accent1"/>
+          </a:lnRef>
+          <a:fillRef idx="0">
+            <a:schemeClr val="accent1"/>
+          </a:fillRef>
+          <a:effectRef idx="0">
+            <a:schemeClr val="accent1"/>
+          </a:effectRef>
+          <a:fontRef idx="minor">
+            <a:schemeClr val="tx1"/>
+          </a:fontRef>
+        </p:style>
+      </p:cxnSp>
+      <p:cxnSp>
+        <p:nvCxnSpPr>
+          <p:cNvPr id="41" name="직선 연결선 40">
+            <a:extLst>
+              <a:ext uri="{FF2B5EF4-FFF2-40B4-BE49-F238E27FC236}">
+                <a16:creationId xmlns:a16="http://schemas.microsoft.com/office/drawing/2014/main" id="{A2BDBEAB-4B85-4287-BE75-766C65C6714C}"/>
+              </a:ext>
+            </a:extLst>
+          </p:cNvPr>
+          <p:cNvCxnSpPr>
+            <a:cxnSpLocks/>
+          </p:cNvCxnSpPr>
+          <p:nvPr/>
+        </p:nvCxnSpPr>
+        <p:spPr>
+          <a:xfrm flipH="1">
+            <a:off x="8856670" y="4513679"/>
+            <a:ext cx="216862" cy="196501"/>
+          </a:xfrm>
+          <a:prstGeom prst="line">
+            <a:avLst/>
+          </a:prstGeom>
+          <a:ln w="28575">
+            <a:solidFill>
+              <a:srgbClr val="FF0000"/>
+            </a:solidFill>
+          </a:ln>
+        </p:spPr>
+        <p:style>
+          <a:lnRef idx="1">
+            <a:schemeClr val="accent1"/>
+          </a:lnRef>
+          <a:fillRef idx="0">
+            <a:schemeClr val="accent1"/>
+          </a:fillRef>
+          <a:effectRef idx="0">
+            <a:schemeClr val="accent1"/>
+          </a:effectRef>
+          <a:fontRef idx="minor">
+            <a:schemeClr val="tx1"/>
+          </a:fontRef>
+        </p:style>
+      </p:cxnSp>
+      <p:sp>
+        <p:nvSpPr>
+          <p:cNvPr id="44" name="TextBox 43">
+            <a:extLst>
+              <a:ext uri="{FF2B5EF4-FFF2-40B4-BE49-F238E27FC236}">
+                <a16:creationId xmlns:a16="http://schemas.microsoft.com/office/drawing/2014/main" id="{2C689DFC-6E2B-48D9-BB95-01188273ADFB}"/>
+              </a:ext>
+            </a:extLst>
+          </p:cNvPr>
+          <p:cNvSpPr txBox="1"/>
+          <p:nvPr/>
+        </p:nvSpPr>
+        <p:spPr>
+          <a:xfrm>
+            <a:off x="10541977" y="3402306"/>
+            <a:ext cx="6353174" cy="646331"/>
+          </a:xfrm>
+          <a:prstGeom prst="rect">
+            <a:avLst/>
+          </a:prstGeom>
+          <a:noFill/>
+        </p:spPr>
+        <p:txBody>
+          <a:bodyPr wrap="square" rtlCol="0">
+            <a:spAutoFit/>
+          </a:bodyPr>
+          <a:lstStyle/>
+          <a:p>
+            <a:r>
+              <a:rPr lang="ko-KR" altLang="en-US" sz="1200" b="1" dirty="0"/>
+              <a:t>클라이언트와 </a:t>
+            </a:r>
+            <a:endParaRPr lang="en-US" altLang="ko-KR" sz="1200" b="1" dirty="0"/>
+          </a:p>
+          <a:p>
+            <a:r>
+              <a:rPr lang="ko-KR" altLang="en-US" sz="1200" b="1" dirty="0"/>
+              <a:t>접속이 끊겨도</a:t>
+            </a:r>
+            <a:endParaRPr lang="en-US" altLang="ko-KR" sz="1200" b="1" dirty="0"/>
+          </a:p>
+          <a:p>
+            <a:r>
+              <a:rPr lang="ko-KR" altLang="en-US" sz="1200" b="1" dirty="0"/>
+              <a:t>계속해서 실행됨</a:t>
             </a:r>
           </a:p>
         </p:txBody>
@@ -7456,8 +8553,8 @@
         </p:nvSpPr>
         <p:spPr>
           <a:xfrm>
-            <a:off x="335902" y="1012533"/>
-            <a:ext cx="10555705" cy="400110"/>
+            <a:off x="511749" y="898149"/>
+            <a:ext cx="10555705" cy="2862322"/>
           </a:xfrm>
           <a:prstGeom prst="rect">
             <a:avLst/>
@@ -7470,9 +8567,203 @@
           </a:bodyPr>
           <a:lstStyle/>
           <a:p>
-            <a:r>
-              <a:rPr lang="ko-KR" altLang="en-US" sz="2000" b="1" dirty="0"/>
-              <a:t>서</a:t>
+            <a:pPr algn="l"/>
+            <a:r>
+              <a:rPr lang="ko-KR" altLang="en-US" sz="2000" b="1" i="0" dirty="0">
+                <a:effectLst/>
+                <a:latin typeface="-apple-system"/>
+              </a:rPr>
+              <a:t>필요성</a:t>
+            </a:r>
+          </a:p>
+          <a:p>
+            <a:pPr algn="l">
+              <a:buFont typeface="Arial" panose="020B0604020202020204" pitchFamily="34" charset="0"/>
+              <a:buChar char="•"/>
+            </a:pPr>
+            <a:r>
+              <a:rPr lang="ko-KR" altLang="en-US" sz="2000" b="0" i="0" dirty="0">
+                <a:effectLst/>
+                <a:latin typeface="-apple-system"/>
+              </a:rPr>
+              <a:t> 타 사용자와의 파일 공유 시 유용</a:t>
+            </a:r>
+            <a:r>
+              <a:rPr lang="en-US" altLang="ko-KR" sz="2000" b="0" i="0" dirty="0">
+                <a:effectLst/>
+                <a:latin typeface="-apple-system"/>
+              </a:rPr>
+              <a:t>.</a:t>
+            </a:r>
+          </a:p>
+          <a:p>
+            <a:pPr algn="l">
+              <a:buFont typeface="Arial" panose="020B0604020202020204" pitchFamily="34" charset="0"/>
+              <a:buChar char="•"/>
+            </a:pPr>
+            <a:r>
+              <a:rPr lang="ko-KR" altLang="en-US" sz="2000" b="0" i="0" dirty="0">
+                <a:effectLst/>
+                <a:latin typeface="-apple-system"/>
+              </a:rPr>
+              <a:t> 파일 백업 시 유용</a:t>
+            </a:r>
+            <a:r>
+              <a:rPr lang="en-US" altLang="ko-KR" sz="2000" b="0" i="0" dirty="0">
+                <a:effectLst/>
+                <a:latin typeface="-apple-system"/>
+              </a:rPr>
+              <a:t>. ex) </a:t>
+            </a:r>
+            <a:r>
+              <a:rPr lang="ko-KR" altLang="en-US" sz="2000" b="0" i="0" dirty="0">
+                <a:effectLst/>
+                <a:latin typeface="-apple-system"/>
+              </a:rPr>
+              <a:t>네이버 클라우드</a:t>
+            </a:r>
+            <a:r>
+              <a:rPr lang="en-US" altLang="ko-KR" sz="2000" b="0" i="0" dirty="0">
+                <a:effectLst/>
+                <a:latin typeface="-apple-system"/>
+              </a:rPr>
+              <a:t>, </a:t>
+            </a:r>
+            <a:r>
+              <a:rPr lang="ko-KR" altLang="en-US" sz="2000" b="0" i="0" dirty="0" err="1">
+                <a:effectLst/>
+                <a:latin typeface="-apple-system"/>
+              </a:rPr>
+              <a:t>드롭박스</a:t>
+            </a:r>
+            <a:r>
+              <a:rPr lang="en-US" altLang="ko-KR" sz="2000" b="0" i="0" dirty="0">
+                <a:effectLst/>
+                <a:latin typeface="-apple-system"/>
+              </a:rPr>
+              <a:t>.</a:t>
+            </a:r>
+          </a:p>
+          <a:p>
+            <a:pPr algn="l">
+              <a:buFont typeface="Arial" panose="020B0604020202020204" pitchFamily="34" charset="0"/>
+              <a:buChar char="•"/>
+            </a:pPr>
+            <a:r>
+              <a:rPr lang="en-US" altLang="ko-KR" sz="2000" b="0" i="0" dirty="0">
+                <a:effectLst/>
+                <a:latin typeface="-apple-system"/>
+              </a:rPr>
+              <a:t> UI</a:t>
+            </a:r>
+            <a:r>
+              <a:rPr lang="ko-KR" altLang="en-US" sz="2000" b="0" i="0" dirty="0">
+                <a:effectLst/>
+                <a:latin typeface="-apple-system"/>
+              </a:rPr>
+              <a:t>를 사용</a:t>
+            </a:r>
+            <a:r>
+              <a:rPr lang="en-US" altLang="ko-KR" sz="2000" b="0" i="0" dirty="0">
+                <a:effectLst/>
+                <a:latin typeface="-apple-system"/>
+              </a:rPr>
+              <a:t>, </a:t>
+            </a:r>
+            <a:r>
+              <a:rPr lang="ko-KR" altLang="en-US" sz="2000" b="0" i="0" dirty="0">
+                <a:effectLst/>
+                <a:latin typeface="-apple-system"/>
+              </a:rPr>
+              <a:t>가시성 확대</a:t>
+            </a:r>
+            <a:r>
+              <a:rPr lang="en-US" altLang="ko-KR" sz="2000" b="0" i="0" dirty="0">
+                <a:effectLst/>
+                <a:latin typeface="-apple-system"/>
+              </a:rPr>
+              <a:t>.</a:t>
+            </a:r>
+          </a:p>
+          <a:p>
+            <a:pPr algn="l">
+              <a:buFont typeface="Arial" panose="020B0604020202020204" pitchFamily="34" charset="0"/>
+              <a:buChar char="•"/>
+            </a:pPr>
+            <a:endParaRPr lang="en-US" altLang="ko-KR" sz="2000" b="0" i="0" dirty="0">
+              <a:effectLst/>
+              <a:latin typeface="-apple-system"/>
+            </a:endParaRPr>
+          </a:p>
+          <a:p>
+            <a:pPr algn="l">
+              <a:buFont typeface="Arial" panose="020B0604020202020204" pitchFamily="34" charset="0"/>
+              <a:buChar char="•"/>
+            </a:pPr>
+            <a:endParaRPr lang="en-US" altLang="ko-KR" sz="2000" b="0" i="0" dirty="0">
+              <a:effectLst/>
+              <a:latin typeface="-apple-system"/>
+            </a:endParaRPr>
+          </a:p>
+          <a:p>
+            <a:pPr algn="l">
+              <a:buFont typeface="Arial" panose="020B0604020202020204" pitchFamily="34" charset="0"/>
+              <a:buChar char="•"/>
+            </a:pPr>
+            <a:endParaRPr lang="en-US" altLang="ko-KR" sz="2000" b="0" i="0" dirty="0">
+              <a:effectLst/>
+              <a:latin typeface="-apple-system"/>
+            </a:endParaRPr>
+          </a:p>
+          <a:p>
+            <a:pPr algn="l"/>
+            <a:r>
+              <a:rPr lang="ko-KR" altLang="en-US" sz="2000" b="1" i="0" dirty="0">
+                <a:effectLst/>
+                <a:latin typeface="-apple-system"/>
+              </a:rPr>
+              <a:t>활용방안</a:t>
+            </a:r>
+          </a:p>
+          <a:p>
+            <a:pPr algn="l">
+              <a:buFont typeface="Arial" panose="020B0604020202020204" pitchFamily="34" charset="0"/>
+              <a:buChar char="•"/>
+            </a:pPr>
+            <a:r>
+              <a:rPr lang="ko-KR" altLang="en-US" sz="2000" b="0" i="0" dirty="0">
+                <a:effectLst/>
+                <a:latin typeface="-apple-system"/>
+              </a:rPr>
+              <a:t> 웹의 영역으로 확장 시</a:t>
+            </a:r>
+            <a:r>
+              <a:rPr lang="en-US" altLang="ko-KR" sz="2000" b="0" i="0" dirty="0">
+                <a:effectLst/>
+                <a:latin typeface="-apple-system"/>
+              </a:rPr>
+              <a:t>, </a:t>
+            </a:r>
+            <a:r>
+              <a:rPr lang="ko-KR" altLang="en-US" sz="2000" b="0" i="0" dirty="0" err="1">
+                <a:effectLst/>
+                <a:latin typeface="-apple-system"/>
+              </a:rPr>
+              <a:t>드롭박스와</a:t>
+            </a:r>
+            <a:r>
+              <a:rPr lang="ko-KR" altLang="en-US" sz="2000" b="0" i="0" dirty="0">
+                <a:effectLst/>
+                <a:latin typeface="-apple-system"/>
+              </a:rPr>
+              <a:t> 같은 개인 클라우드로 사용 가능</a:t>
+            </a:r>
+            <a:r>
+              <a:rPr lang="en-US" altLang="ko-KR" sz="2000" b="0" i="0" dirty="0">
+                <a:effectLst/>
+                <a:latin typeface="-apple-system"/>
+              </a:rPr>
+              <a:t>.</a:t>
             </a:r>
           </a:p>
         </p:txBody>
@@ -8192,7 +9483,7 @@
         </p:nvSpPr>
         <p:spPr>
           <a:xfrm>
-            <a:off x="5187810" y="2613246"/>
+            <a:off x="571849" y="1494687"/>
             <a:ext cx="6322962" cy="1569660"/>
           </a:xfrm>
           <a:prstGeom prst="rect">
@@ -8215,14 +9506,40 @@
           <a:p>
             <a:r>
               <a:rPr lang="ko-KR" altLang="en-US" sz="3200" b="1" dirty="0"/>
-              <a:t>리눅스 환경 내 다중 사용자들이</a:t>
-            </a:r>
-            <a:endParaRPr lang="en-US" altLang="ko-KR" sz="3200" b="1" dirty="0"/>
-          </a:p>
-          <a:p>
+              <a:t>리눅스 환경 내 </a:t>
+            </a:r>
+            <a:r>
+              <a:rPr lang="ko-KR" altLang="en-US" sz="3200" b="1" dirty="0">
+                <a:solidFill>
+                  <a:schemeClr val="accent1">
+                    <a:lumMod val="50000"/>
+                  </a:schemeClr>
+                </a:solidFill>
+              </a:rPr>
+              <a:t>다중 사용자들이</a:t>
+            </a:r>
+            <a:endParaRPr lang="en-US" altLang="ko-KR" sz="3200" b="1" dirty="0">
+              <a:solidFill>
+                <a:schemeClr val="accent1">
+                  <a:lumMod val="50000"/>
+                </a:schemeClr>
+              </a:solidFill>
+            </a:endParaRPr>
+          </a:p>
+          <a:p>
+            <a:r>
+              <a:rPr lang="ko-KR" altLang="en-US" sz="3200" b="1" dirty="0">
+                <a:solidFill>
+                  <a:schemeClr val="accent1">
+                    <a:lumMod val="50000"/>
+                  </a:schemeClr>
+                </a:solidFill>
+              </a:rPr>
+              <a:t>파일을 공유</a:t>
+            </a:r>
             <a:r>
               <a:rPr lang="ko-KR" altLang="en-US" sz="3200" b="1" dirty="0"/>
-              <a:t>파일을 공유할 수 있는 프로그램</a:t>
+              <a:t>할 수 있는 프로그램</a:t>
             </a:r>
             <a:endParaRPr lang="en-US" altLang="ko-KR" sz="3200" b="1" dirty="0"/>
           </a:p>
@@ -8316,7 +9633,7 @@
         </p:nvSpPr>
         <p:spPr>
           <a:xfrm>
-            <a:off x="1547329" y="2693895"/>
+            <a:off x="8370160" y="2808754"/>
             <a:ext cx="1860884" cy="865860"/>
           </a:xfrm>
           <a:prstGeom prst="roundRect">
@@ -8392,7 +9709,7 @@
         </p:nvSpPr>
         <p:spPr>
           <a:xfrm>
-            <a:off x="335902" y="4349211"/>
+            <a:off x="7158733" y="4464070"/>
             <a:ext cx="1860884" cy="865860"/>
           </a:xfrm>
           <a:prstGeom prst="roundRect">
@@ -8468,7 +9785,7 @@
         </p:nvSpPr>
         <p:spPr>
           <a:xfrm>
-            <a:off x="3031958" y="4349211"/>
+            <a:off x="9854789" y="4464070"/>
             <a:ext cx="1860884" cy="865860"/>
           </a:xfrm>
           <a:prstGeom prst="roundRect">
@@ -8558,7 +9875,7 @@
         </p:blipFill>
         <p:spPr>
           <a:xfrm>
-            <a:off x="1547329" y="1011134"/>
+            <a:off x="8370160" y="1125993"/>
             <a:ext cx="1748588" cy="1748588"/>
           </a:xfrm>
           <a:prstGeom prst="rect">
@@ -8580,7 +9897,7 @@
         </p:nvSpPr>
         <p:spPr>
           <a:xfrm>
-            <a:off x="2196786" y="1700762"/>
+            <a:off x="9019617" y="1815621"/>
             <a:ext cx="642667" cy="369332"/>
           </a:xfrm>
           <a:prstGeom prst="rect">
@@ -8615,7 +9932,7 @@
         </p:nvCxnSpPr>
         <p:spPr>
           <a:xfrm flipV="1">
-            <a:off x="2196786" y="2229853"/>
+            <a:off x="9019617" y="2344712"/>
             <a:ext cx="0" cy="336884"/>
           </a:xfrm>
           <a:prstGeom prst="straightConnector1">
@@ -8656,7 +9973,7 @@
         </p:nvCxnSpPr>
         <p:spPr>
           <a:xfrm>
-            <a:off x="2647276" y="2229853"/>
+            <a:off x="9470107" y="2344712"/>
             <a:ext cx="0" cy="352926"/>
           </a:xfrm>
           <a:prstGeom prst="straightConnector1">
@@ -8697,7 +10014,7 @@
         </p:nvCxnSpPr>
         <p:spPr>
           <a:xfrm flipV="1">
-            <a:off x="1262835" y="3654829"/>
+            <a:off x="8085666" y="3769688"/>
             <a:ext cx="378677" cy="539860"/>
           </a:xfrm>
           <a:prstGeom prst="straightConnector1">
@@ -8738,7 +10055,7 @@
         </p:nvCxnSpPr>
         <p:spPr>
           <a:xfrm flipH="1">
-            <a:off x="1044807" y="3559755"/>
+            <a:off x="7867638" y="3674614"/>
             <a:ext cx="408340" cy="546623"/>
           </a:xfrm>
           <a:prstGeom prst="straightConnector1">
@@ -8779,7 +10096,7 @@
         </p:nvCxnSpPr>
         <p:spPr>
           <a:xfrm>
-            <a:off x="3469235" y="3559755"/>
+            <a:off x="10292066" y="3674614"/>
             <a:ext cx="493165" cy="579108"/>
           </a:xfrm>
           <a:prstGeom prst="straightConnector1">
@@ -8820,7 +10137,7 @@
         </p:nvCxnSpPr>
         <p:spPr>
           <a:xfrm flipH="1" flipV="1">
-            <a:off x="3280870" y="3654829"/>
+            <a:off x="10103701" y="3769688"/>
             <a:ext cx="447962" cy="528727"/>
           </a:xfrm>
           <a:prstGeom prst="straightConnector1">
@@ -9080,8 +10397,8 @@
         </p:nvSpPr>
         <p:spPr>
           <a:xfrm>
-            <a:off x="898356" y="1955188"/>
-            <a:ext cx="10323751" cy="1938992"/>
+            <a:off x="451877" y="1480037"/>
+            <a:ext cx="10323751" cy="1477328"/>
           </a:xfrm>
           <a:prstGeom prst="rect">
             <a:avLst/>
@@ -9095,66 +10412,102 @@
           <a:lstStyle/>
           <a:p>
             <a:r>
-              <a:rPr lang="ko-KR" altLang="en-US" sz="2400" b="1" dirty="0"/>
-              <a:t>인터넷 소켓을 사용한 통신 </a:t>
-            </a:r>
-            <a:r>
-              <a:rPr lang="en-US" altLang="ko-KR" sz="2400" b="1" dirty="0"/>
+              <a:rPr lang="ko-KR" altLang="en-US" b="1" dirty="0">
+                <a:solidFill>
+                  <a:schemeClr val="accent1">
+                    <a:lumMod val="50000"/>
+                  </a:schemeClr>
+                </a:solidFill>
+              </a:rPr>
+              <a:t>인터넷 소켓</a:t>
+            </a:r>
+            <a:r>
+              <a:rPr lang="ko-KR" altLang="en-US" b="1" dirty="0"/>
+              <a:t>을 사용한 통신 </a:t>
+            </a:r>
+            <a:r>
+              <a:rPr lang="en-US" altLang="ko-KR" b="1" dirty="0"/>
               <a:t>– </a:t>
             </a:r>
             <a:r>
-              <a:rPr lang="ko-KR" altLang="en-US" sz="2400" b="1" dirty="0"/>
+              <a:rPr lang="ko-KR" altLang="en-US" b="1" dirty="0"/>
               <a:t>시스템 내부가 아닌 네트워크를 이용한 통신</a:t>
             </a:r>
-            <a:endParaRPr lang="en-US" altLang="ko-KR" sz="2400" b="1" dirty="0"/>
-          </a:p>
-          <a:p>
-            <a:endParaRPr lang="en-US" altLang="ko-KR" sz="2400" b="1" dirty="0"/>
-          </a:p>
-          <a:p>
-            <a:r>
-              <a:rPr lang="en-US" altLang="ko-KR" sz="2400" b="1" dirty="0"/>
+            <a:endParaRPr lang="en-US" altLang="ko-KR" b="1" dirty="0"/>
+          </a:p>
+          <a:p>
+            <a:endParaRPr lang="en-US" altLang="ko-KR" b="1" dirty="0"/>
+          </a:p>
+          <a:p>
+            <a:r>
+              <a:rPr lang="en-US" altLang="ko-KR" b="1" dirty="0">
+                <a:solidFill>
+                  <a:schemeClr val="accent1">
+                    <a:lumMod val="50000"/>
+                  </a:schemeClr>
+                </a:solidFill>
+              </a:rPr>
               <a:t>TCP</a:t>
             </a:r>
             <a:r>
-              <a:rPr lang="ko-KR" altLang="en-US" sz="2400" b="1" dirty="0"/>
-              <a:t>방식 통신 </a:t>
-            </a:r>
-            <a:r>
-              <a:rPr lang="en-US" altLang="ko-KR" sz="2400" b="1" dirty="0"/>
+              <a:rPr lang="ko-KR" altLang="en-US" b="1" dirty="0">
+                <a:solidFill>
+                  <a:schemeClr val="accent1">
+                    <a:lumMod val="50000"/>
+                  </a:schemeClr>
+                </a:solidFill>
+              </a:rPr>
+              <a:t>방식 </a:t>
+            </a:r>
+            <a:r>
+              <a:rPr lang="ko-KR" altLang="en-US" b="1" dirty="0"/>
+              <a:t>통신 </a:t>
+            </a:r>
+            <a:r>
+              <a:rPr lang="en-US" altLang="ko-KR" b="1" dirty="0"/>
               <a:t>– </a:t>
             </a:r>
             <a:r>
-              <a:rPr lang="ko-KR" altLang="en-US" sz="2400" b="1" dirty="0"/>
+              <a:rPr lang="ko-KR" altLang="en-US" b="1" dirty="0"/>
               <a:t>클라이언트와 서버 간 접속 확인 절차</a:t>
             </a:r>
-            <a:endParaRPr lang="en-US" altLang="ko-KR" sz="2400" b="1" dirty="0"/>
-          </a:p>
-          <a:p>
-            <a:endParaRPr lang="en-US" altLang="ko-KR" sz="2400" b="1" dirty="0"/>
-          </a:p>
-          <a:p>
-            <a:r>
-              <a:rPr lang="ko-KR" altLang="en-US" sz="2400" b="1" dirty="0"/>
+            <a:endParaRPr lang="en-US" altLang="ko-KR" b="1" dirty="0"/>
+          </a:p>
+          <a:p>
+            <a:endParaRPr lang="en-US" altLang="ko-KR" b="1" dirty="0"/>
+          </a:p>
+          <a:p>
+            <a:r>
+              <a:rPr lang="ko-KR" altLang="en-US" b="1" dirty="0"/>
               <a:t>다수 사용자 접속</a:t>
             </a:r>
             <a:r>
-              <a:rPr lang="en-US" altLang="ko-KR" sz="2400" b="1" dirty="0"/>
+              <a:rPr lang="en-US" altLang="ko-KR" b="1" dirty="0"/>
               <a:t>(</a:t>
             </a:r>
             <a:r>
-              <a:rPr lang="ko-KR" altLang="en-US" sz="2400" b="1" dirty="0"/>
+              <a:rPr lang="ko-KR" altLang="en-US" b="1" dirty="0"/>
               <a:t>서버</a:t>
             </a:r>
             <a:r>
-              <a:rPr lang="en-US" altLang="ko-KR" sz="2400" b="1" dirty="0"/>
-              <a:t>) – fork()</a:t>
-            </a:r>
-            <a:r>
-              <a:rPr lang="ko-KR" altLang="en-US" sz="2400" b="1" dirty="0"/>
+              <a:rPr lang="en-US" altLang="ko-KR" b="1" dirty="0"/>
+              <a:t>) – </a:t>
+            </a:r>
+            <a:r>
+              <a:rPr lang="en-US" altLang="ko-KR" b="1" dirty="0">
+                <a:solidFill>
+                  <a:schemeClr val="accent1">
+                    <a:lumMod val="50000"/>
+                  </a:schemeClr>
+                </a:solidFill>
+              </a:rPr>
+              <a:t>fork()</a:t>
+            </a:r>
+            <a:r>
+              <a:rPr lang="ko-KR" altLang="en-US" b="1" dirty="0"/>
               <a:t>를 사용하여 여러 클라이언트와 접속</a:t>
             </a:r>
-            <a:endParaRPr lang="en-US" altLang="ko-KR" sz="2400" b="1" dirty="0"/>
+            <a:endParaRPr lang="en-US" altLang="ko-KR" b="1" dirty="0"/>
           </a:p>
         </p:txBody>
       </p:sp>
@@ -9380,6 +10733,1137 @@
           </a:p>
         </p:txBody>
       </p:sp>
+      <p:sp>
+        <p:nvSpPr>
+          <p:cNvPr id="2" name="타원 1">
+            <a:extLst>
+              <a:ext uri="{FF2B5EF4-FFF2-40B4-BE49-F238E27FC236}">
+                <a16:creationId xmlns:a16="http://schemas.microsoft.com/office/drawing/2014/main" id="{8B7BFBCF-E08F-4127-BCE8-7A5A5C93F86B}"/>
+              </a:ext>
+            </a:extLst>
+          </p:cNvPr>
+          <p:cNvSpPr/>
+          <p:nvPr/>
+        </p:nvSpPr>
+        <p:spPr>
+          <a:xfrm>
+            <a:off x="8801100" y="2924640"/>
+            <a:ext cx="1740877" cy="1670539"/>
+          </a:xfrm>
+          <a:custGeom>
+            <a:avLst/>
+            <a:gdLst>
+              <a:gd name="connsiteX0" fmla="*/ 0 w 1740877"/>
+              <a:gd name="connsiteY0" fmla="*/ 835270 h 1670539"/>
+              <a:gd name="connsiteX1" fmla="*/ 870439 w 1740877"/>
+              <a:gd name="connsiteY1" fmla="*/ 0 h 1670539"/>
+              <a:gd name="connsiteX2" fmla="*/ 1740878 w 1740877"/>
+              <a:gd name="connsiteY2" fmla="*/ 835270 h 1670539"/>
+              <a:gd name="connsiteX3" fmla="*/ 870439 w 1740877"/>
+              <a:gd name="connsiteY3" fmla="*/ 1670540 h 1670539"/>
+              <a:gd name="connsiteX4" fmla="*/ 0 w 1740877"/>
+              <a:gd name="connsiteY4" fmla="*/ 835270 h 1670539"/>
+            </a:gdLst>
+            <a:ahLst/>
+            <a:cxnLst>
+              <a:cxn ang="0">
+                <a:pos x="connsiteX0" y="connsiteY0"/>
+              </a:cxn>
+              <a:cxn ang="0">
+                <a:pos x="connsiteX1" y="connsiteY1"/>
+              </a:cxn>
+              <a:cxn ang="0">
+                <a:pos x="connsiteX2" y="connsiteY2"/>
+              </a:cxn>
+              <a:cxn ang="0">
+                <a:pos x="connsiteX3" y="connsiteY3"/>
+              </a:cxn>
+              <a:cxn ang="0">
+                <a:pos x="connsiteX4" y="connsiteY4"/>
+              </a:cxn>
+            </a:cxnLst>
+            <a:rect l="l" t="t" r="r" b="b"/>
+            <a:pathLst>
+              <a:path w="1740877" h="1670539" fill="none" extrusionOk="0">
+                <a:moveTo>
+                  <a:pt x="0" y="835270"/>
+                </a:moveTo>
+                <a:cubicBezTo>
+                  <a:pt x="-36459" y="339668"/>
+                  <a:pt x="371936" y="-35238"/>
+                  <a:pt x="870439" y="0"/>
+                </a:cubicBezTo>
+                <a:cubicBezTo>
+                  <a:pt x="1383644" y="39839"/>
+                  <a:pt x="1767168" y="392123"/>
+                  <a:pt x="1740878" y="835270"/>
+                </a:cubicBezTo>
+                <a:cubicBezTo>
+                  <a:pt x="1752951" y="1204744"/>
+                  <a:pt x="1309082" y="1635550"/>
+                  <a:pt x="870439" y="1670540"/>
+                </a:cubicBezTo>
+                <a:cubicBezTo>
+                  <a:pt x="335689" y="1701173"/>
+                  <a:pt x="22857" y="1359584"/>
+                  <a:pt x="0" y="835270"/>
+                </a:cubicBezTo>
+                <a:close/>
+              </a:path>
+              <a:path w="1740877" h="1670539" stroke="0" extrusionOk="0">
+                <a:moveTo>
+                  <a:pt x="0" y="835270"/>
+                </a:moveTo>
+                <a:cubicBezTo>
+                  <a:pt x="-22505" y="409697"/>
+                  <a:pt x="402596" y="-11254"/>
+                  <a:pt x="870439" y="0"/>
+                </a:cubicBezTo>
+                <a:cubicBezTo>
+                  <a:pt x="1359289" y="11563"/>
+                  <a:pt x="1770659" y="351935"/>
+                  <a:pt x="1740878" y="835270"/>
+                </a:cubicBezTo>
+                <a:cubicBezTo>
+                  <a:pt x="1749589" y="1252974"/>
+                  <a:pt x="1413016" y="1723635"/>
+                  <a:pt x="870439" y="1670540"/>
+                </a:cubicBezTo>
+                <a:cubicBezTo>
+                  <a:pt x="384577" y="1704384"/>
+                  <a:pt x="-54808" y="1242708"/>
+                  <a:pt x="0" y="835270"/>
+                </a:cubicBezTo>
+                <a:close/>
+              </a:path>
+            </a:pathLst>
+          </a:custGeom>
+          <a:solidFill>
+            <a:schemeClr val="accent1">
+              <a:lumMod val="20000"/>
+              <a:lumOff val="80000"/>
+            </a:schemeClr>
+          </a:solidFill>
+          <a:ln w="38100">
+            <a:extLst>
+              <a:ext uri="{C807C97D-BFC1-408E-A445-0C87EB9F89A2}">
+                <ask:lineSketchStyleProps xmlns:ask="http://schemas.microsoft.com/office/drawing/2018/sketchyshapes" sd="3809068511">
+                  <a:prstGeom prst="ellipse">
+                    <a:avLst/>
+                  </a:prstGeom>
+                  <ask:type>
+                    <ask:lineSketchCurved/>
+                  </ask:type>
+                </ask:lineSketchStyleProps>
+              </a:ext>
+            </a:extLst>
+          </a:ln>
+        </p:spPr>
+        <p:style>
+          <a:lnRef idx="2">
+            <a:schemeClr val="accent1">
+              <a:shade val="50000"/>
+            </a:schemeClr>
+          </a:lnRef>
+          <a:fillRef idx="1">
+            <a:schemeClr val="accent1"/>
+          </a:fillRef>
+          <a:effectRef idx="0">
+            <a:schemeClr val="accent1"/>
+          </a:effectRef>
+          <a:fontRef idx="minor">
+            <a:schemeClr val="lt1"/>
+          </a:fontRef>
+        </p:style>
+        <p:txBody>
+          <a:bodyPr rtlCol="0" anchor="ctr"/>
+          <a:lstStyle/>
+          <a:p>
+            <a:pPr algn="ctr"/>
+            <a:r>
+              <a:rPr lang="ko-KR" altLang="en-US" b="1" dirty="0">
+                <a:solidFill>
+                  <a:schemeClr val="tx1"/>
+                </a:solidFill>
+              </a:rPr>
+              <a:t>서버</a:t>
+            </a:r>
+          </a:p>
+        </p:txBody>
+      </p:sp>
+      <p:sp>
+        <p:nvSpPr>
+          <p:cNvPr id="3" name="사각형: 둥근 모서리 2">
+            <a:extLst>
+              <a:ext uri="{FF2B5EF4-FFF2-40B4-BE49-F238E27FC236}">
+                <a16:creationId xmlns:a16="http://schemas.microsoft.com/office/drawing/2014/main" id="{E39DA71A-E7C7-4A4C-8856-2054E7C4FAE8}"/>
+              </a:ext>
+            </a:extLst>
+          </p:cNvPr>
+          <p:cNvSpPr/>
+          <p:nvPr/>
+        </p:nvSpPr>
+        <p:spPr>
+          <a:xfrm>
+            <a:off x="9351106" y="3959874"/>
+            <a:ext cx="720970" cy="254972"/>
+          </a:xfrm>
+          <a:prstGeom prst="roundRect">
+            <a:avLst/>
+          </a:prstGeom>
+          <a:noFill/>
+          <a:ln w="38100"/>
+        </p:spPr>
+        <p:style>
+          <a:lnRef idx="2">
+            <a:schemeClr val="accent1">
+              <a:shade val="50000"/>
+            </a:schemeClr>
+          </a:lnRef>
+          <a:fillRef idx="1">
+            <a:schemeClr val="accent1"/>
+          </a:fillRef>
+          <a:effectRef idx="0">
+            <a:schemeClr val="accent1"/>
+          </a:effectRef>
+          <a:fontRef idx="minor">
+            <a:schemeClr val="lt1"/>
+          </a:fontRef>
+        </p:style>
+        <p:txBody>
+          <a:bodyPr rtlCol="0" anchor="ctr"/>
+          <a:lstStyle/>
+          <a:p>
+            <a:pPr algn="ctr"/>
+            <a:r>
+              <a:rPr lang="en-US" altLang="ko-KR" sz="1400" b="1" dirty="0">
+                <a:solidFill>
+                  <a:schemeClr val="tx1"/>
+                </a:solidFill>
+              </a:rPr>
+              <a:t>fork()</a:t>
+            </a:r>
+            <a:endParaRPr lang="ko-KR" altLang="en-US" sz="1400" b="1" dirty="0">
+              <a:solidFill>
+                <a:schemeClr val="tx1"/>
+              </a:solidFill>
+            </a:endParaRPr>
+          </a:p>
+        </p:txBody>
+      </p:sp>
+      <p:pic>
+        <p:nvPicPr>
+          <p:cNvPr id="19" name="그림 18">
+            <a:extLst>
+              <a:ext uri="{FF2B5EF4-FFF2-40B4-BE49-F238E27FC236}">
+                <a16:creationId xmlns:a16="http://schemas.microsoft.com/office/drawing/2014/main" id="{E4F38BBF-4035-4ECB-A7D2-82529D533C7A}"/>
+              </a:ext>
+            </a:extLst>
+          </p:cNvPr>
+          <p:cNvPicPr>
+            <a:picLocks noChangeAspect="1"/>
+          </p:cNvPicPr>
+          <p:nvPr/>
+        </p:nvPicPr>
+        <p:blipFill>
+          <a:blip r:embed="rId3">
+            <a:extLst>
+              <a:ext uri="{28A0092B-C50C-407E-A947-70E740481C1C}">
+                <a14:useLocalDpi xmlns:a14="http://schemas.microsoft.com/office/drawing/2010/main" val="0"/>
+              </a:ext>
+            </a:extLst>
+          </a:blip>
+          <a:stretch>
+            <a:fillRect/>
+          </a:stretch>
+        </p:blipFill>
+        <p:spPr>
+          <a:xfrm rot="16401113">
+            <a:off x="8876875" y="3076164"/>
+            <a:ext cx="1411344" cy="1411344"/>
+          </a:xfrm>
+          <a:prstGeom prst="rect">
+            <a:avLst/>
+          </a:prstGeom>
+        </p:spPr>
+      </p:pic>
+      <p:pic>
+        <p:nvPicPr>
+          <p:cNvPr id="20" name="그림 19">
+            <a:extLst>
+              <a:ext uri="{FF2B5EF4-FFF2-40B4-BE49-F238E27FC236}">
+                <a16:creationId xmlns:a16="http://schemas.microsoft.com/office/drawing/2014/main" id="{E244F679-4C76-4AB6-8518-FB8D0CD15870}"/>
+              </a:ext>
+            </a:extLst>
+          </p:cNvPr>
+          <p:cNvPicPr>
+            <a:picLocks noChangeAspect="1"/>
+          </p:cNvPicPr>
+          <p:nvPr/>
+        </p:nvPicPr>
+        <p:blipFill>
+          <a:blip r:embed="rId3">
+            <a:extLst>
+              <a:ext uri="{28A0092B-C50C-407E-A947-70E740481C1C}">
+                <a14:useLocalDpi xmlns:a14="http://schemas.microsoft.com/office/drawing/2010/main" val="0"/>
+              </a:ext>
+            </a:extLst>
+          </a:blip>
+          <a:stretch>
+            <a:fillRect/>
+          </a:stretch>
+        </p:blipFill>
+        <p:spPr>
+          <a:xfrm rot="5400000">
+            <a:off x="9023781" y="3075045"/>
+            <a:ext cx="1411344" cy="1411344"/>
+          </a:xfrm>
+          <a:prstGeom prst="rect">
+            <a:avLst/>
+          </a:prstGeom>
+        </p:spPr>
+      </p:pic>
+      <p:sp>
+        <p:nvSpPr>
+          <p:cNvPr id="22" name="타원 21">
+            <a:extLst>
+              <a:ext uri="{FF2B5EF4-FFF2-40B4-BE49-F238E27FC236}">
+                <a16:creationId xmlns:a16="http://schemas.microsoft.com/office/drawing/2014/main" id="{BAA20832-2EA6-496D-9462-D3E943A07BA0}"/>
+              </a:ext>
+            </a:extLst>
+          </p:cNvPr>
+          <p:cNvSpPr/>
+          <p:nvPr/>
+        </p:nvSpPr>
+        <p:spPr>
+          <a:xfrm>
+            <a:off x="7931215" y="1969155"/>
+            <a:ext cx="993531" cy="931985"/>
+          </a:xfrm>
+          <a:custGeom>
+            <a:avLst/>
+            <a:gdLst>
+              <a:gd name="connsiteX0" fmla="*/ 0 w 993531"/>
+              <a:gd name="connsiteY0" fmla="*/ 465993 h 931985"/>
+              <a:gd name="connsiteX1" fmla="*/ 496766 w 993531"/>
+              <a:gd name="connsiteY1" fmla="*/ 0 h 931985"/>
+              <a:gd name="connsiteX2" fmla="*/ 993532 w 993531"/>
+              <a:gd name="connsiteY2" fmla="*/ 465993 h 931985"/>
+              <a:gd name="connsiteX3" fmla="*/ 496766 w 993531"/>
+              <a:gd name="connsiteY3" fmla="*/ 931986 h 931985"/>
+              <a:gd name="connsiteX4" fmla="*/ 0 w 993531"/>
+              <a:gd name="connsiteY4" fmla="*/ 465993 h 931985"/>
+            </a:gdLst>
+            <a:ahLst/>
+            <a:cxnLst>
+              <a:cxn ang="0">
+                <a:pos x="connsiteX0" y="connsiteY0"/>
+              </a:cxn>
+              <a:cxn ang="0">
+                <a:pos x="connsiteX1" y="connsiteY1"/>
+              </a:cxn>
+              <a:cxn ang="0">
+                <a:pos x="connsiteX2" y="connsiteY2"/>
+              </a:cxn>
+              <a:cxn ang="0">
+                <a:pos x="connsiteX3" y="connsiteY3"/>
+              </a:cxn>
+              <a:cxn ang="0">
+                <a:pos x="connsiteX4" y="connsiteY4"/>
+              </a:cxn>
+            </a:cxnLst>
+            <a:rect l="l" t="t" r="r" b="b"/>
+            <a:pathLst>
+              <a:path w="993531" h="931985" fill="none" extrusionOk="0">
+                <a:moveTo>
+                  <a:pt x="0" y="465993"/>
+                </a:moveTo>
+                <a:cubicBezTo>
+                  <a:pt x="41150" y="203361"/>
+                  <a:pt x="226380" y="2176"/>
+                  <a:pt x="496766" y="0"/>
+                </a:cubicBezTo>
+                <a:cubicBezTo>
+                  <a:pt x="724663" y="-12813"/>
+                  <a:pt x="1017337" y="214007"/>
+                  <a:pt x="993532" y="465993"/>
+                </a:cubicBezTo>
+                <a:cubicBezTo>
+                  <a:pt x="1018246" y="720883"/>
+                  <a:pt x="753587" y="950594"/>
+                  <a:pt x="496766" y="931986"/>
+                </a:cubicBezTo>
+                <a:cubicBezTo>
+                  <a:pt x="224740" y="939147"/>
+                  <a:pt x="4173" y="765913"/>
+                  <a:pt x="0" y="465993"/>
+                </a:cubicBezTo>
+                <a:close/>
+              </a:path>
+              <a:path w="993531" h="931985" stroke="0" extrusionOk="0">
+                <a:moveTo>
+                  <a:pt x="0" y="465993"/>
+                </a:moveTo>
+                <a:cubicBezTo>
+                  <a:pt x="24336" y="186849"/>
+                  <a:pt x="183880" y="33529"/>
+                  <a:pt x="496766" y="0"/>
+                </a:cubicBezTo>
+                <a:cubicBezTo>
+                  <a:pt x="768323" y="-13768"/>
+                  <a:pt x="989171" y="214060"/>
+                  <a:pt x="993532" y="465993"/>
+                </a:cubicBezTo>
+                <a:cubicBezTo>
+                  <a:pt x="1005269" y="750613"/>
+                  <a:pt x="771635" y="915775"/>
+                  <a:pt x="496766" y="931986"/>
+                </a:cubicBezTo>
+                <a:cubicBezTo>
+                  <a:pt x="221144" y="942190"/>
+                  <a:pt x="-37588" y="713417"/>
+                  <a:pt x="0" y="465993"/>
+                </a:cubicBezTo>
+                <a:close/>
+              </a:path>
+            </a:pathLst>
+          </a:custGeom>
+          <a:solidFill>
+            <a:schemeClr val="accent4">
+              <a:lumMod val="20000"/>
+              <a:lumOff val="80000"/>
+            </a:schemeClr>
+          </a:solidFill>
+          <a:ln w="28575">
+            <a:solidFill>
+              <a:schemeClr val="accent4">
+                <a:lumMod val="75000"/>
+              </a:schemeClr>
+            </a:solidFill>
+            <a:extLst>
+              <a:ext uri="{C807C97D-BFC1-408E-A445-0C87EB9F89A2}">
+                <ask:lineSketchStyleProps xmlns:ask="http://schemas.microsoft.com/office/drawing/2018/sketchyshapes" sd="2091018771">
+                  <a:prstGeom prst="ellipse">
+                    <a:avLst/>
+                  </a:prstGeom>
+                  <ask:type>
+                    <ask:lineSketchCurved/>
+                  </ask:type>
+                </ask:lineSketchStyleProps>
+              </a:ext>
+            </a:extLst>
+          </a:ln>
+        </p:spPr>
+        <p:style>
+          <a:lnRef idx="2">
+            <a:schemeClr val="accent1">
+              <a:shade val="50000"/>
+            </a:schemeClr>
+          </a:lnRef>
+          <a:fillRef idx="1">
+            <a:schemeClr val="accent1"/>
+          </a:fillRef>
+          <a:effectRef idx="0">
+            <a:schemeClr val="accent1"/>
+          </a:effectRef>
+          <a:fontRef idx="minor">
+            <a:schemeClr val="lt1"/>
+          </a:fontRef>
+        </p:style>
+        <p:txBody>
+          <a:bodyPr rtlCol="0" anchor="ctr"/>
+          <a:lstStyle/>
+          <a:p>
+            <a:pPr algn="ctr"/>
+            <a:r>
+              <a:rPr lang="ko-KR" altLang="en-US" sz="800" b="1" dirty="0">
+                <a:solidFill>
+                  <a:schemeClr val="tx1"/>
+                </a:solidFill>
+              </a:rPr>
+              <a:t>클라이언트</a:t>
+            </a:r>
+          </a:p>
+        </p:txBody>
+      </p:sp>
+      <p:sp>
+        <p:nvSpPr>
+          <p:cNvPr id="25" name="타원 24">
+            <a:extLst>
+              <a:ext uri="{FF2B5EF4-FFF2-40B4-BE49-F238E27FC236}">
+                <a16:creationId xmlns:a16="http://schemas.microsoft.com/office/drawing/2014/main" id="{02F9DF5C-434A-4554-8FEC-AFB8970F5760}"/>
+              </a:ext>
+            </a:extLst>
+          </p:cNvPr>
+          <p:cNvSpPr/>
+          <p:nvPr/>
+        </p:nvSpPr>
+        <p:spPr>
+          <a:xfrm>
+            <a:off x="8030250" y="4712859"/>
+            <a:ext cx="993531" cy="931985"/>
+          </a:xfrm>
+          <a:custGeom>
+            <a:avLst/>
+            <a:gdLst>
+              <a:gd name="connsiteX0" fmla="*/ 0 w 993531"/>
+              <a:gd name="connsiteY0" fmla="*/ 465993 h 931985"/>
+              <a:gd name="connsiteX1" fmla="*/ 496766 w 993531"/>
+              <a:gd name="connsiteY1" fmla="*/ 0 h 931985"/>
+              <a:gd name="connsiteX2" fmla="*/ 993532 w 993531"/>
+              <a:gd name="connsiteY2" fmla="*/ 465993 h 931985"/>
+              <a:gd name="connsiteX3" fmla="*/ 496766 w 993531"/>
+              <a:gd name="connsiteY3" fmla="*/ 931986 h 931985"/>
+              <a:gd name="connsiteX4" fmla="*/ 0 w 993531"/>
+              <a:gd name="connsiteY4" fmla="*/ 465993 h 931985"/>
+            </a:gdLst>
+            <a:ahLst/>
+            <a:cxnLst>
+              <a:cxn ang="0">
+                <a:pos x="connsiteX0" y="connsiteY0"/>
+              </a:cxn>
+              <a:cxn ang="0">
+                <a:pos x="connsiteX1" y="connsiteY1"/>
+              </a:cxn>
+              <a:cxn ang="0">
+                <a:pos x="connsiteX2" y="connsiteY2"/>
+              </a:cxn>
+              <a:cxn ang="0">
+                <a:pos x="connsiteX3" y="connsiteY3"/>
+              </a:cxn>
+              <a:cxn ang="0">
+                <a:pos x="connsiteX4" y="connsiteY4"/>
+              </a:cxn>
+            </a:cxnLst>
+            <a:rect l="l" t="t" r="r" b="b"/>
+            <a:pathLst>
+              <a:path w="993531" h="931985" fill="none" extrusionOk="0">
+                <a:moveTo>
+                  <a:pt x="0" y="465993"/>
+                </a:moveTo>
+                <a:cubicBezTo>
+                  <a:pt x="41150" y="203361"/>
+                  <a:pt x="226380" y="2176"/>
+                  <a:pt x="496766" y="0"/>
+                </a:cubicBezTo>
+                <a:cubicBezTo>
+                  <a:pt x="724663" y="-12813"/>
+                  <a:pt x="1017337" y="214007"/>
+                  <a:pt x="993532" y="465993"/>
+                </a:cubicBezTo>
+                <a:cubicBezTo>
+                  <a:pt x="1018246" y="720883"/>
+                  <a:pt x="753587" y="950594"/>
+                  <a:pt x="496766" y="931986"/>
+                </a:cubicBezTo>
+                <a:cubicBezTo>
+                  <a:pt x="224740" y="939147"/>
+                  <a:pt x="4173" y="765913"/>
+                  <a:pt x="0" y="465993"/>
+                </a:cubicBezTo>
+                <a:close/>
+              </a:path>
+              <a:path w="993531" h="931985" stroke="0" extrusionOk="0">
+                <a:moveTo>
+                  <a:pt x="0" y="465993"/>
+                </a:moveTo>
+                <a:cubicBezTo>
+                  <a:pt x="24336" y="186849"/>
+                  <a:pt x="183880" y="33529"/>
+                  <a:pt x="496766" y="0"/>
+                </a:cubicBezTo>
+                <a:cubicBezTo>
+                  <a:pt x="768323" y="-13768"/>
+                  <a:pt x="989171" y="214060"/>
+                  <a:pt x="993532" y="465993"/>
+                </a:cubicBezTo>
+                <a:cubicBezTo>
+                  <a:pt x="1005269" y="750613"/>
+                  <a:pt x="771635" y="915775"/>
+                  <a:pt x="496766" y="931986"/>
+                </a:cubicBezTo>
+                <a:cubicBezTo>
+                  <a:pt x="221144" y="942190"/>
+                  <a:pt x="-37588" y="713417"/>
+                  <a:pt x="0" y="465993"/>
+                </a:cubicBezTo>
+                <a:close/>
+              </a:path>
+            </a:pathLst>
+          </a:custGeom>
+          <a:solidFill>
+            <a:schemeClr val="accent4">
+              <a:lumMod val="20000"/>
+              <a:lumOff val="80000"/>
+            </a:schemeClr>
+          </a:solidFill>
+          <a:ln w="28575">
+            <a:solidFill>
+              <a:schemeClr val="accent4">
+                <a:lumMod val="75000"/>
+              </a:schemeClr>
+            </a:solidFill>
+            <a:extLst>
+              <a:ext uri="{C807C97D-BFC1-408E-A445-0C87EB9F89A2}">
+                <ask:lineSketchStyleProps xmlns:ask="http://schemas.microsoft.com/office/drawing/2018/sketchyshapes" sd="2091018771">
+                  <a:prstGeom prst="ellipse">
+                    <a:avLst/>
+                  </a:prstGeom>
+                  <ask:type>
+                    <ask:lineSketchCurved/>
+                  </ask:type>
+                </ask:lineSketchStyleProps>
+              </a:ext>
+            </a:extLst>
+          </a:ln>
+        </p:spPr>
+        <p:style>
+          <a:lnRef idx="2">
+            <a:schemeClr val="accent1">
+              <a:shade val="50000"/>
+            </a:schemeClr>
+          </a:lnRef>
+          <a:fillRef idx="1">
+            <a:schemeClr val="accent1"/>
+          </a:fillRef>
+          <a:effectRef idx="0">
+            <a:schemeClr val="accent1"/>
+          </a:effectRef>
+          <a:fontRef idx="minor">
+            <a:schemeClr val="lt1"/>
+          </a:fontRef>
+        </p:style>
+        <p:txBody>
+          <a:bodyPr rtlCol="0" anchor="ctr"/>
+          <a:lstStyle/>
+          <a:p>
+            <a:pPr algn="ctr"/>
+            <a:r>
+              <a:rPr lang="ko-KR" altLang="en-US" sz="800" b="1" dirty="0">
+                <a:solidFill>
+                  <a:schemeClr val="tx1"/>
+                </a:solidFill>
+              </a:rPr>
+              <a:t>클라이언트</a:t>
+            </a:r>
+          </a:p>
+        </p:txBody>
+      </p:sp>
+      <p:sp>
+        <p:nvSpPr>
+          <p:cNvPr id="26" name="타원 25">
+            <a:extLst>
+              <a:ext uri="{FF2B5EF4-FFF2-40B4-BE49-F238E27FC236}">
+                <a16:creationId xmlns:a16="http://schemas.microsoft.com/office/drawing/2014/main" id="{6A0D60B2-541D-4EE9-BBC7-C787B0B4216A}"/>
+              </a:ext>
+            </a:extLst>
+          </p:cNvPr>
+          <p:cNvSpPr/>
+          <p:nvPr/>
+        </p:nvSpPr>
+        <p:spPr>
+          <a:xfrm>
+            <a:off x="10480672" y="2096924"/>
+            <a:ext cx="993531" cy="931985"/>
+          </a:xfrm>
+          <a:custGeom>
+            <a:avLst/>
+            <a:gdLst>
+              <a:gd name="connsiteX0" fmla="*/ 0 w 993531"/>
+              <a:gd name="connsiteY0" fmla="*/ 465993 h 931985"/>
+              <a:gd name="connsiteX1" fmla="*/ 496766 w 993531"/>
+              <a:gd name="connsiteY1" fmla="*/ 0 h 931985"/>
+              <a:gd name="connsiteX2" fmla="*/ 993532 w 993531"/>
+              <a:gd name="connsiteY2" fmla="*/ 465993 h 931985"/>
+              <a:gd name="connsiteX3" fmla="*/ 496766 w 993531"/>
+              <a:gd name="connsiteY3" fmla="*/ 931986 h 931985"/>
+              <a:gd name="connsiteX4" fmla="*/ 0 w 993531"/>
+              <a:gd name="connsiteY4" fmla="*/ 465993 h 931985"/>
+            </a:gdLst>
+            <a:ahLst/>
+            <a:cxnLst>
+              <a:cxn ang="0">
+                <a:pos x="connsiteX0" y="connsiteY0"/>
+              </a:cxn>
+              <a:cxn ang="0">
+                <a:pos x="connsiteX1" y="connsiteY1"/>
+              </a:cxn>
+              <a:cxn ang="0">
+                <a:pos x="connsiteX2" y="connsiteY2"/>
+              </a:cxn>
+              <a:cxn ang="0">
+                <a:pos x="connsiteX3" y="connsiteY3"/>
+              </a:cxn>
+              <a:cxn ang="0">
+                <a:pos x="connsiteX4" y="connsiteY4"/>
+              </a:cxn>
+            </a:cxnLst>
+            <a:rect l="l" t="t" r="r" b="b"/>
+            <a:pathLst>
+              <a:path w="993531" h="931985" fill="none" extrusionOk="0">
+                <a:moveTo>
+                  <a:pt x="0" y="465993"/>
+                </a:moveTo>
+                <a:cubicBezTo>
+                  <a:pt x="41150" y="203361"/>
+                  <a:pt x="226380" y="2176"/>
+                  <a:pt x="496766" y="0"/>
+                </a:cubicBezTo>
+                <a:cubicBezTo>
+                  <a:pt x="724663" y="-12813"/>
+                  <a:pt x="1017337" y="214007"/>
+                  <a:pt x="993532" y="465993"/>
+                </a:cubicBezTo>
+                <a:cubicBezTo>
+                  <a:pt x="1018246" y="720883"/>
+                  <a:pt x="753587" y="950594"/>
+                  <a:pt x="496766" y="931986"/>
+                </a:cubicBezTo>
+                <a:cubicBezTo>
+                  <a:pt x="224740" y="939147"/>
+                  <a:pt x="4173" y="765913"/>
+                  <a:pt x="0" y="465993"/>
+                </a:cubicBezTo>
+                <a:close/>
+              </a:path>
+              <a:path w="993531" h="931985" stroke="0" extrusionOk="0">
+                <a:moveTo>
+                  <a:pt x="0" y="465993"/>
+                </a:moveTo>
+                <a:cubicBezTo>
+                  <a:pt x="24336" y="186849"/>
+                  <a:pt x="183880" y="33529"/>
+                  <a:pt x="496766" y="0"/>
+                </a:cubicBezTo>
+                <a:cubicBezTo>
+                  <a:pt x="768323" y="-13768"/>
+                  <a:pt x="989171" y="214060"/>
+                  <a:pt x="993532" y="465993"/>
+                </a:cubicBezTo>
+                <a:cubicBezTo>
+                  <a:pt x="1005269" y="750613"/>
+                  <a:pt x="771635" y="915775"/>
+                  <a:pt x="496766" y="931986"/>
+                </a:cubicBezTo>
+                <a:cubicBezTo>
+                  <a:pt x="221144" y="942190"/>
+                  <a:pt x="-37588" y="713417"/>
+                  <a:pt x="0" y="465993"/>
+                </a:cubicBezTo>
+                <a:close/>
+              </a:path>
+            </a:pathLst>
+          </a:custGeom>
+          <a:solidFill>
+            <a:schemeClr val="accent4">
+              <a:lumMod val="20000"/>
+              <a:lumOff val="80000"/>
+            </a:schemeClr>
+          </a:solidFill>
+          <a:ln w="28575">
+            <a:solidFill>
+              <a:schemeClr val="accent4">
+                <a:lumMod val="75000"/>
+              </a:schemeClr>
+            </a:solidFill>
+            <a:extLst>
+              <a:ext uri="{C807C97D-BFC1-408E-A445-0C87EB9F89A2}">
+                <ask:lineSketchStyleProps xmlns:ask="http://schemas.microsoft.com/office/drawing/2018/sketchyshapes" sd="2091018771">
+                  <a:prstGeom prst="ellipse">
+                    <a:avLst/>
+                  </a:prstGeom>
+                  <ask:type>
+                    <ask:lineSketchCurved/>
+                  </ask:type>
+                </ask:lineSketchStyleProps>
+              </a:ext>
+            </a:extLst>
+          </a:ln>
+        </p:spPr>
+        <p:style>
+          <a:lnRef idx="2">
+            <a:schemeClr val="accent1">
+              <a:shade val="50000"/>
+            </a:schemeClr>
+          </a:lnRef>
+          <a:fillRef idx="1">
+            <a:schemeClr val="accent1"/>
+          </a:fillRef>
+          <a:effectRef idx="0">
+            <a:schemeClr val="accent1"/>
+          </a:effectRef>
+          <a:fontRef idx="minor">
+            <a:schemeClr val="lt1"/>
+          </a:fontRef>
+        </p:style>
+        <p:txBody>
+          <a:bodyPr rtlCol="0" anchor="ctr"/>
+          <a:lstStyle/>
+          <a:p>
+            <a:pPr algn="ctr"/>
+            <a:r>
+              <a:rPr lang="ko-KR" altLang="en-US" sz="800" b="1" dirty="0">
+                <a:solidFill>
+                  <a:schemeClr val="tx1"/>
+                </a:solidFill>
+              </a:rPr>
+              <a:t>클라이언트</a:t>
+            </a:r>
+          </a:p>
+        </p:txBody>
+      </p:sp>
+      <p:sp>
+        <p:nvSpPr>
+          <p:cNvPr id="27" name="타원 26">
+            <a:extLst>
+              <a:ext uri="{FF2B5EF4-FFF2-40B4-BE49-F238E27FC236}">
+                <a16:creationId xmlns:a16="http://schemas.microsoft.com/office/drawing/2014/main" id="{E1C47F10-6A9B-4311-AEB4-9423711769A8}"/>
+              </a:ext>
+            </a:extLst>
+          </p:cNvPr>
+          <p:cNvSpPr/>
+          <p:nvPr/>
+        </p:nvSpPr>
+        <p:spPr>
+          <a:xfrm>
+            <a:off x="10435125" y="4790296"/>
+            <a:ext cx="993531" cy="931985"/>
+          </a:xfrm>
+          <a:custGeom>
+            <a:avLst/>
+            <a:gdLst>
+              <a:gd name="connsiteX0" fmla="*/ 0 w 993531"/>
+              <a:gd name="connsiteY0" fmla="*/ 465993 h 931985"/>
+              <a:gd name="connsiteX1" fmla="*/ 496766 w 993531"/>
+              <a:gd name="connsiteY1" fmla="*/ 0 h 931985"/>
+              <a:gd name="connsiteX2" fmla="*/ 993532 w 993531"/>
+              <a:gd name="connsiteY2" fmla="*/ 465993 h 931985"/>
+              <a:gd name="connsiteX3" fmla="*/ 496766 w 993531"/>
+              <a:gd name="connsiteY3" fmla="*/ 931986 h 931985"/>
+              <a:gd name="connsiteX4" fmla="*/ 0 w 993531"/>
+              <a:gd name="connsiteY4" fmla="*/ 465993 h 931985"/>
+            </a:gdLst>
+            <a:ahLst/>
+            <a:cxnLst>
+              <a:cxn ang="0">
+                <a:pos x="connsiteX0" y="connsiteY0"/>
+              </a:cxn>
+              <a:cxn ang="0">
+                <a:pos x="connsiteX1" y="connsiteY1"/>
+              </a:cxn>
+              <a:cxn ang="0">
+                <a:pos x="connsiteX2" y="connsiteY2"/>
+              </a:cxn>
+              <a:cxn ang="0">
+                <a:pos x="connsiteX3" y="connsiteY3"/>
+              </a:cxn>
+              <a:cxn ang="0">
+                <a:pos x="connsiteX4" y="connsiteY4"/>
+              </a:cxn>
+            </a:cxnLst>
+            <a:rect l="l" t="t" r="r" b="b"/>
+            <a:pathLst>
+              <a:path w="993531" h="931985" fill="none" extrusionOk="0">
+                <a:moveTo>
+                  <a:pt x="0" y="465993"/>
+                </a:moveTo>
+                <a:cubicBezTo>
+                  <a:pt x="41150" y="203361"/>
+                  <a:pt x="226380" y="2176"/>
+                  <a:pt x="496766" y="0"/>
+                </a:cubicBezTo>
+                <a:cubicBezTo>
+                  <a:pt x="724663" y="-12813"/>
+                  <a:pt x="1017337" y="214007"/>
+                  <a:pt x="993532" y="465993"/>
+                </a:cubicBezTo>
+                <a:cubicBezTo>
+                  <a:pt x="1018246" y="720883"/>
+                  <a:pt x="753587" y="950594"/>
+                  <a:pt x="496766" y="931986"/>
+                </a:cubicBezTo>
+                <a:cubicBezTo>
+                  <a:pt x="224740" y="939147"/>
+                  <a:pt x="4173" y="765913"/>
+                  <a:pt x="0" y="465993"/>
+                </a:cubicBezTo>
+                <a:close/>
+              </a:path>
+              <a:path w="993531" h="931985" stroke="0" extrusionOk="0">
+                <a:moveTo>
+                  <a:pt x="0" y="465993"/>
+                </a:moveTo>
+                <a:cubicBezTo>
+                  <a:pt x="24336" y="186849"/>
+                  <a:pt x="183880" y="33529"/>
+                  <a:pt x="496766" y="0"/>
+                </a:cubicBezTo>
+                <a:cubicBezTo>
+                  <a:pt x="768323" y="-13768"/>
+                  <a:pt x="989171" y="214060"/>
+                  <a:pt x="993532" y="465993"/>
+                </a:cubicBezTo>
+                <a:cubicBezTo>
+                  <a:pt x="1005269" y="750613"/>
+                  <a:pt x="771635" y="915775"/>
+                  <a:pt x="496766" y="931986"/>
+                </a:cubicBezTo>
+                <a:cubicBezTo>
+                  <a:pt x="221144" y="942190"/>
+                  <a:pt x="-37588" y="713417"/>
+                  <a:pt x="0" y="465993"/>
+                </a:cubicBezTo>
+                <a:close/>
+              </a:path>
+            </a:pathLst>
+          </a:custGeom>
+          <a:solidFill>
+            <a:schemeClr val="accent4">
+              <a:lumMod val="20000"/>
+              <a:lumOff val="80000"/>
+            </a:schemeClr>
+          </a:solidFill>
+          <a:ln w="28575">
+            <a:solidFill>
+              <a:schemeClr val="accent4">
+                <a:lumMod val="75000"/>
+              </a:schemeClr>
+            </a:solidFill>
+            <a:extLst>
+              <a:ext uri="{C807C97D-BFC1-408E-A445-0C87EB9F89A2}">
+                <ask:lineSketchStyleProps xmlns:ask="http://schemas.microsoft.com/office/drawing/2018/sketchyshapes" sd="2091018771">
+                  <a:prstGeom prst="ellipse">
+                    <a:avLst/>
+                  </a:prstGeom>
+                  <ask:type>
+                    <ask:lineSketchCurved/>
+                  </ask:type>
+                </ask:lineSketchStyleProps>
+              </a:ext>
+            </a:extLst>
+          </a:ln>
+        </p:spPr>
+        <p:style>
+          <a:lnRef idx="2">
+            <a:schemeClr val="accent1">
+              <a:shade val="50000"/>
+            </a:schemeClr>
+          </a:lnRef>
+          <a:fillRef idx="1">
+            <a:schemeClr val="accent1"/>
+          </a:fillRef>
+          <a:effectRef idx="0">
+            <a:schemeClr val="accent1"/>
+          </a:effectRef>
+          <a:fontRef idx="minor">
+            <a:schemeClr val="lt1"/>
+          </a:fontRef>
+        </p:style>
+        <p:txBody>
+          <a:bodyPr rtlCol="0" anchor="ctr"/>
+          <a:lstStyle/>
+          <a:p>
+            <a:pPr algn="ctr"/>
+            <a:r>
+              <a:rPr lang="ko-KR" altLang="en-US" sz="800" b="1" dirty="0">
+                <a:solidFill>
+                  <a:schemeClr val="tx1"/>
+                </a:solidFill>
+              </a:rPr>
+              <a:t>클라이언트</a:t>
+            </a:r>
+          </a:p>
+        </p:txBody>
+      </p:sp>
+      <p:cxnSp>
+        <p:nvCxnSpPr>
+          <p:cNvPr id="29" name="직선 화살표 연결선 28">
+            <a:extLst>
+              <a:ext uri="{FF2B5EF4-FFF2-40B4-BE49-F238E27FC236}">
+                <a16:creationId xmlns:a16="http://schemas.microsoft.com/office/drawing/2014/main" id="{F741AA9B-AC49-456F-BB67-7281E602B12F}"/>
+              </a:ext>
+            </a:extLst>
+          </p:cNvPr>
+          <p:cNvCxnSpPr>
+            <a:stCxn id="22" idx="5"/>
+          </p:cNvCxnSpPr>
+          <p:nvPr/>
+        </p:nvCxnSpPr>
+        <p:spPr>
+          <a:xfrm>
+            <a:off x="8779247" y="2764654"/>
+            <a:ext cx="244534" cy="374200"/>
+          </a:xfrm>
+          <a:prstGeom prst="straightConnector1">
+            <a:avLst/>
+          </a:prstGeom>
+          <a:ln w="38100">
+            <a:solidFill>
+              <a:schemeClr val="bg2">
+                <a:lumMod val="50000"/>
+              </a:schemeClr>
+            </a:solidFill>
+            <a:headEnd type="triangle"/>
+            <a:tailEnd type="triangle"/>
+          </a:ln>
+        </p:spPr>
+        <p:style>
+          <a:lnRef idx="1">
+            <a:schemeClr val="accent1"/>
+          </a:lnRef>
+          <a:fillRef idx="0">
+            <a:schemeClr val="accent1"/>
+          </a:fillRef>
+          <a:effectRef idx="0">
+            <a:schemeClr val="accent1"/>
+          </a:effectRef>
+          <a:fontRef idx="minor">
+            <a:schemeClr val="tx1"/>
+          </a:fontRef>
+        </p:style>
+      </p:cxnSp>
+      <p:cxnSp>
+        <p:nvCxnSpPr>
+          <p:cNvPr id="30" name="직선 화살표 연결선 29">
+            <a:extLst>
+              <a:ext uri="{FF2B5EF4-FFF2-40B4-BE49-F238E27FC236}">
+                <a16:creationId xmlns:a16="http://schemas.microsoft.com/office/drawing/2014/main" id="{014A7970-E01B-4B92-A00A-93CD8CFAA300}"/>
+              </a:ext>
+            </a:extLst>
+          </p:cNvPr>
+          <p:cNvCxnSpPr>
+            <a:cxnSpLocks/>
+            <a:stCxn id="26" idx="3"/>
+          </p:cNvCxnSpPr>
+          <p:nvPr/>
+        </p:nvCxnSpPr>
+        <p:spPr>
+          <a:xfrm flipH="1">
+            <a:off x="10322831" y="2892423"/>
+            <a:ext cx="303340" cy="275542"/>
+          </a:xfrm>
+          <a:prstGeom prst="straightConnector1">
+            <a:avLst/>
+          </a:prstGeom>
+          <a:ln w="38100">
+            <a:solidFill>
+              <a:schemeClr val="bg2">
+                <a:lumMod val="50000"/>
+              </a:schemeClr>
+            </a:solidFill>
+            <a:headEnd type="triangle"/>
+            <a:tailEnd type="triangle"/>
+          </a:ln>
+        </p:spPr>
+        <p:style>
+          <a:lnRef idx="1">
+            <a:schemeClr val="accent1"/>
+          </a:lnRef>
+          <a:fillRef idx="0">
+            <a:schemeClr val="accent1"/>
+          </a:fillRef>
+          <a:effectRef idx="0">
+            <a:schemeClr val="accent1"/>
+          </a:effectRef>
+          <a:fontRef idx="minor">
+            <a:schemeClr val="tx1"/>
+          </a:fontRef>
+        </p:style>
+      </p:cxnSp>
+      <p:cxnSp>
+        <p:nvCxnSpPr>
+          <p:cNvPr id="32" name="직선 화살표 연결선 31">
+            <a:extLst>
+              <a:ext uri="{FF2B5EF4-FFF2-40B4-BE49-F238E27FC236}">
+                <a16:creationId xmlns:a16="http://schemas.microsoft.com/office/drawing/2014/main" id="{AB38E86C-DB64-47C0-8C31-74BBF96CC1BF}"/>
+              </a:ext>
+            </a:extLst>
+          </p:cNvPr>
+          <p:cNvCxnSpPr>
+            <a:cxnSpLocks/>
+          </p:cNvCxnSpPr>
+          <p:nvPr/>
+        </p:nvCxnSpPr>
+        <p:spPr>
+          <a:xfrm flipH="1">
+            <a:off x="8836822" y="4425695"/>
+            <a:ext cx="268594" cy="373571"/>
+          </a:xfrm>
+          <a:prstGeom prst="straightConnector1">
+            <a:avLst/>
+          </a:prstGeom>
+          <a:ln w="38100">
+            <a:solidFill>
+              <a:schemeClr val="bg2">
+                <a:lumMod val="50000"/>
+              </a:schemeClr>
+            </a:solidFill>
+            <a:headEnd type="triangle"/>
+            <a:tailEnd type="triangle"/>
+          </a:ln>
+        </p:spPr>
+        <p:style>
+          <a:lnRef idx="1">
+            <a:schemeClr val="accent1"/>
+          </a:lnRef>
+          <a:fillRef idx="0">
+            <a:schemeClr val="accent1"/>
+          </a:fillRef>
+          <a:effectRef idx="0">
+            <a:schemeClr val="accent1"/>
+          </a:effectRef>
+          <a:fontRef idx="minor">
+            <a:schemeClr val="tx1"/>
+          </a:fontRef>
+        </p:style>
+      </p:cxnSp>
+      <p:cxnSp>
+        <p:nvCxnSpPr>
+          <p:cNvPr id="34" name="직선 화살표 연결선 33">
+            <a:extLst>
+              <a:ext uri="{FF2B5EF4-FFF2-40B4-BE49-F238E27FC236}">
+                <a16:creationId xmlns:a16="http://schemas.microsoft.com/office/drawing/2014/main" id="{BBDE16B6-DE64-4ACE-8FF1-98DE5DF2C5C0}"/>
+              </a:ext>
+            </a:extLst>
+          </p:cNvPr>
+          <p:cNvCxnSpPr>
+            <a:cxnSpLocks/>
+          </p:cNvCxnSpPr>
+          <p:nvPr/>
+        </p:nvCxnSpPr>
+        <p:spPr>
+          <a:xfrm flipH="1" flipV="1">
+            <a:off x="10322831" y="4360986"/>
+            <a:ext cx="299253" cy="470009"/>
+          </a:xfrm>
+          <a:prstGeom prst="straightConnector1">
+            <a:avLst/>
+          </a:prstGeom>
+          <a:ln w="38100">
+            <a:solidFill>
+              <a:schemeClr val="bg2">
+                <a:lumMod val="50000"/>
+              </a:schemeClr>
+            </a:solidFill>
+            <a:headEnd type="triangle"/>
+            <a:tailEnd type="triangle"/>
+          </a:ln>
+        </p:spPr>
+        <p:style>
+          <a:lnRef idx="1">
+            <a:schemeClr val="accent1"/>
+          </a:lnRef>
+          <a:fillRef idx="0">
+            <a:schemeClr val="accent1"/>
+          </a:fillRef>
+          <a:effectRef idx="0">
+            <a:schemeClr val="accent1"/>
+          </a:effectRef>
+          <a:fontRef idx="minor">
+            <a:schemeClr val="tx1"/>
+          </a:fontRef>
+        </p:style>
+      </p:cxnSp>
     </p:spTree>
     <p:extLst>
       <p:ext uri="{BB962C8B-B14F-4D97-AF65-F5344CB8AC3E}">
@@ -9872,7 +12356,7 @@
           <a:lstStyle/>
           <a:p>
             <a:r>
-              <a:rPr lang="ko-KR" altLang="en-US" sz="1400" dirty="0"/>
+              <a:rPr lang="ko-KR" altLang="en-US" sz="1400" b="1" dirty="0"/>
               <a:t>서버에 있는 파일 목록 전송</a:t>
             </a:r>
           </a:p>
@@ -9907,10 +12391,10 @@
           <a:lstStyle/>
           <a:p>
             <a:r>
-              <a:rPr lang="ko-KR" altLang="en-US" sz="1400"/>
+              <a:rPr lang="ko-KR" altLang="en-US" sz="1400" b="1" dirty="0"/>
               <a:t>서버 파일 목록 동기화</a:t>
             </a:r>
-            <a:endParaRPr lang="en-US" altLang="ko-KR" sz="1400" dirty="0"/>
+            <a:endParaRPr lang="en-US" altLang="ko-KR" sz="1400" b="1" dirty="0"/>
           </a:p>
         </p:txBody>
       </p:sp>
@@ -9943,7 +12427,7 @@
           <a:lstStyle/>
           <a:p>
             <a:r>
-              <a:rPr lang="ko-KR" altLang="en-US" sz="1400" dirty="0"/>
+              <a:rPr lang="ko-KR" altLang="en-US" sz="1400" b="1" dirty="0"/>
               <a:t>파일 목록 출력</a:t>
             </a:r>
           </a:p>
@@ -10765,7 +13249,7 @@
           <a:lstStyle/>
           <a:p>
             <a:r>
-              <a:rPr lang="ko-KR" altLang="en-US" sz="1400" dirty="0"/>
+              <a:rPr lang="ko-KR" altLang="en-US" sz="1400" b="1" dirty="0"/>
               <a:t>접속</a:t>
             </a:r>
           </a:p>
@@ -11519,7 +14003,7 @@
         <p:spPr>
           <a:xfrm>
             <a:off x="8275911" y="2949105"/>
-            <a:ext cx="2914650" cy="261610"/>
+            <a:ext cx="2914650" cy="338554"/>
           </a:xfrm>
           <a:prstGeom prst="rect">
             <a:avLst/>
@@ -11533,11 +14017,11 @@
           <a:lstStyle/>
           <a:p>
             <a:r>
-              <a:rPr lang="en-US" altLang="ko-KR" sz="1100" dirty="0"/>
+              <a:rPr lang="en-US" altLang="ko-KR" sz="1600" dirty="0"/>
               <a:t>reset</a:t>
             </a:r>
             <a:r>
-              <a:rPr lang="ko-KR" altLang="en-US" sz="1100" dirty="0"/>
+              <a:rPr lang="ko-KR" altLang="en-US" sz="1600" dirty="0"/>
               <a:t> 서비스 선택</a:t>
             </a:r>
           </a:p>
@@ -11557,8 +14041,8 @@
         </p:nvSpPr>
         <p:spPr>
           <a:xfrm>
-            <a:off x="5385073" y="3657190"/>
-            <a:ext cx="2914650" cy="430887"/>
+            <a:off x="5204926" y="3640802"/>
+            <a:ext cx="2914650" cy="523220"/>
           </a:xfrm>
           <a:prstGeom prst="rect">
             <a:avLst/>
@@ -11572,14 +14056,14 @@
           <a:lstStyle/>
           <a:p>
             <a:r>
-              <a:rPr lang="ko-KR" altLang="en-US" sz="1100" dirty="0"/>
+              <a:rPr lang="ko-KR" altLang="en-US" sz="1400" dirty="0"/>
               <a:t>파일 목록 동기화 후</a:t>
             </a:r>
-            <a:endParaRPr lang="en-US" altLang="ko-KR" sz="1100" dirty="0"/>
-          </a:p>
-          <a:p>
-            <a:r>
-              <a:rPr lang="ko-KR" altLang="en-US" sz="1100" dirty="0"/>
+            <a:endParaRPr lang="en-US" altLang="ko-KR" sz="1400" dirty="0"/>
+          </a:p>
+          <a:p>
+            <a:r>
+              <a:rPr lang="ko-KR" altLang="en-US" sz="1400" dirty="0"/>
               <a:t>클라이언트로 전송</a:t>
             </a:r>
           </a:p>
@@ -11652,7 +14136,7 @@
         <p:spPr>
           <a:xfrm>
             <a:off x="8275911" y="5602552"/>
-            <a:ext cx="2914650" cy="261610"/>
+            <a:ext cx="2914650" cy="338554"/>
           </a:xfrm>
           <a:prstGeom prst="rect">
             <a:avLst/>
@@ -11666,7 +14150,7 @@
           <a:lstStyle/>
           <a:p>
             <a:r>
-              <a:rPr lang="ko-KR" altLang="en-US" sz="1100" dirty="0"/>
+              <a:rPr lang="ko-KR" altLang="en-US" sz="1600" dirty="0"/>
               <a:t>동기화된 파일 목록 출력</a:t>
             </a:r>
           </a:p>
@@ -14904,7 +17388,7 @@
         <p:spPr>
           <a:xfrm>
             <a:off x="7890148" y="2861095"/>
-            <a:ext cx="2914650" cy="261610"/>
+            <a:ext cx="2914650" cy="276999"/>
           </a:xfrm>
           <a:prstGeom prst="rect">
             <a:avLst/>
@@ -14918,11 +17402,11 @@
           <a:lstStyle/>
           <a:p>
             <a:r>
-              <a:rPr lang="en-US" altLang="ko-KR" sz="1100" dirty="0"/>
+              <a:rPr lang="en-US" altLang="ko-KR" sz="1200" dirty="0"/>
               <a:t>upload </a:t>
             </a:r>
             <a:r>
-              <a:rPr lang="ko-KR" altLang="en-US" sz="1100" dirty="0"/>
+              <a:rPr lang="ko-KR" altLang="en-US" sz="1200" dirty="0"/>
               <a:t>서비스 선택</a:t>
             </a:r>
           </a:p>
@@ -14943,7 +17427,7 @@
         <p:spPr>
           <a:xfrm>
             <a:off x="7877534" y="3970054"/>
-            <a:ext cx="2914650" cy="261610"/>
+            <a:ext cx="2914650" cy="276999"/>
           </a:xfrm>
           <a:prstGeom prst="rect">
             <a:avLst/>
@@ -14957,7 +17441,7 @@
           <a:lstStyle/>
           <a:p>
             <a:r>
-              <a:rPr lang="ko-KR" altLang="en-US" sz="1100" dirty="0"/>
+              <a:rPr lang="ko-KR" altLang="en-US" sz="1200" dirty="0"/>
               <a:t>업로드할 파일 선택</a:t>
             </a:r>
           </a:p>
@@ -14978,7 +17462,7 @@
         <p:spPr>
           <a:xfrm>
             <a:off x="7902761" y="4703179"/>
-            <a:ext cx="2914650" cy="261610"/>
+            <a:ext cx="2914650" cy="276999"/>
           </a:xfrm>
           <a:prstGeom prst="rect">
             <a:avLst/>
@@ -14992,7 +17476,7 @@
           <a:lstStyle/>
           <a:p>
             <a:r>
-              <a:rPr lang="ko-KR" altLang="en-US" sz="1100" dirty="0"/>
+              <a:rPr lang="ko-KR" altLang="en-US" sz="1200" dirty="0"/>
               <a:t>업로드 완료</a:t>
             </a:r>
           </a:p>
@@ -15064,8 +17548,8 @@
         </p:nvSpPr>
         <p:spPr>
           <a:xfrm>
-            <a:off x="5277155" y="3677433"/>
-            <a:ext cx="2914650" cy="430887"/>
+            <a:off x="5204926" y="3710750"/>
+            <a:ext cx="2914650" cy="523220"/>
           </a:xfrm>
           <a:prstGeom prst="rect">
             <a:avLst/>
@@ -15079,22 +17563,22 @@
           <a:lstStyle/>
           <a:p>
             <a:r>
-              <a:rPr lang="ko-KR" altLang="en-US" sz="1100" dirty="0"/>
+              <a:rPr lang="ko-KR" altLang="en-US" sz="1400" dirty="0"/>
               <a:t>파일명</a:t>
             </a:r>
             <a:r>
-              <a:rPr lang="en-US" altLang="ko-KR" sz="1100" dirty="0"/>
+              <a:rPr lang="en-US" altLang="ko-KR" sz="1400" dirty="0"/>
               <a:t> + </a:t>
             </a:r>
             <a:r>
-              <a:rPr lang="ko-KR" altLang="en-US" sz="1100" dirty="0"/>
+              <a:rPr lang="ko-KR" altLang="en-US" sz="1400" dirty="0"/>
               <a:t>파일내용을 </a:t>
             </a:r>
-            <a:endParaRPr lang="en-US" altLang="ko-KR" sz="1100" dirty="0"/>
-          </a:p>
-          <a:p>
-            <a:r>
-              <a:rPr lang="ko-KR" altLang="en-US" sz="1100" dirty="0"/>
+            <a:endParaRPr lang="en-US" altLang="ko-KR" sz="1400" dirty="0"/>
+          </a:p>
+          <a:p>
+            <a:r>
+              <a:rPr lang="ko-KR" altLang="en-US" sz="1400" dirty="0"/>
               <a:t>받아 서버에 저장</a:t>
             </a:r>
           </a:p>
@@ -15648,7 +18132,7 @@
         <p:spPr>
           <a:xfrm>
             <a:off x="6903605" y="5290902"/>
-            <a:ext cx="2914650" cy="261610"/>
+            <a:ext cx="2914650" cy="307777"/>
           </a:xfrm>
           <a:prstGeom prst="rect">
             <a:avLst/>
@@ -15662,7 +18146,7 @@
           <a:lstStyle/>
           <a:p>
             <a:r>
-              <a:rPr lang="ko-KR" altLang="en-US" sz="1100" dirty="0"/>
+              <a:rPr lang="ko-KR" altLang="en-US" sz="1400" dirty="0"/>
               <a:t>클라이언트의 업로드 파일 목록</a:t>
             </a:r>
           </a:p>
@@ -15683,7 +18167,7 @@
         <p:spPr>
           <a:xfrm>
             <a:off x="6903605" y="5941551"/>
-            <a:ext cx="2914650" cy="261610"/>
+            <a:ext cx="2914650" cy="307777"/>
           </a:xfrm>
           <a:prstGeom prst="rect">
             <a:avLst/>
@@ -15697,7 +18181,7 @@
           <a:lstStyle/>
           <a:p>
             <a:r>
-              <a:rPr lang="ko-KR" altLang="en-US" sz="1100" dirty="0"/>
+              <a:rPr lang="ko-KR" altLang="en-US" sz="1400" dirty="0"/>
               <a:t>서버 파일 목록</a:t>
             </a:r>
           </a:p>
@@ -17168,85 +19652,6 @@
           </a:p>
         </p:txBody>
       </p:sp>
-      <p:sp>
-        <p:nvSpPr>
-          <p:cNvPr id="33" name="사각형: 둥근 모서리 32">
-            <a:extLst>
-              <a:ext uri="{FF2B5EF4-FFF2-40B4-BE49-F238E27FC236}">
-                <a16:creationId xmlns:a16="http://schemas.microsoft.com/office/drawing/2014/main" id="{14579E4B-296C-4937-A883-5A81E69F7630}"/>
-              </a:ext>
-            </a:extLst>
-          </p:cNvPr>
-          <p:cNvSpPr/>
-          <p:nvPr/>
-        </p:nvSpPr>
-        <p:spPr>
-          <a:xfrm>
-            <a:off x="11270492" y="2439978"/>
-            <a:ext cx="964353" cy="316983"/>
-          </a:xfrm>
-          <a:prstGeom prst="roundRect">
-            <a:avLst/>
-          </a:prstGeom>
-          <a:solidFill>
-            <a:schemeClr val="accent4">
-              <a:lumMod val="20000"/>
-              <a:lumOff val="80000"/>
-            </a:schemeClr>
-          </a:solidFill>
-          <a:ln w="19050">
-            <a:solidFill>
-              <a:schemeClr val="accent1">
-                <a:lumMod val="50000"/>
-              </a:schemeClr>
-            </a:solidFill>
-          </a:ln>
-        </p:spPr>
-        <p:style>
-          <a:lnRef idx="2">
-            <a:schemeClr val="accent1">
-              <a:shade val="50000"/>
-            </a:schemeClr>
-          </a:lnRef>
-          <a:fillRef idx="1">
-            <a:schemeClr val="accent1"/>
-          </a:fillRef>
-          <a:effectRef idx="0">
-            <a:schemeClr val="accent1"/>
-          </a:effectRef>
-          <a:fontRef idx="minor">
-            <a:schemeClr val="lt1"/>
-          </a:fontRef>
-        </p:style>
-        <p:txBody>
-          <a:bodyPr rtlCol="0" anchor="ctr"/>
-          <a:lstStyle/>
-          <a:p>
-            <a:pPr algn="ctr"/>
-            <a:r>
-              <a:rPr lang="en-US" altLang="ko-KR" sz="1400" b="1" dirty="0" err="1">
-                <a:solidFill>
-                  <a:sysClr val="windowText" lastClr="000000"/>
-                </a:solidFill>
-              </a:rPr>
-              <a:t>fopen</a:t>
-            </a:r>
-            <a:r>
-              <a:rPr lang="en-US" altLang="ko-KR" sz="1400" b="1" dirty="0">
-                <a:solidFill>
-                  <a:sysClr val="windowText" lastClr="000000"/>
-                </a:solidFill>
-              </a:rPr>
-              <a:t>()</a:t>
-            </a:r>
-            <a:endParaRPr lang="ko-KR" altLang="en-US" sz="1400" b="1" dirty="0">
-              <a:solidFill>
-                <a:sysClr val="windowText" lastClr="000000"/>
-              </a:solidFill>
-            </a:endParaRPr>
-          </a:p>
-        </p:txBody>
-      </p:sp>
       <p:cxnSp>
         <p:nvCxnSpPr>
           <p:cNvPr id="34" name="직선 화살표 연결선 33">
@@ -18370,7 +20775,7 @@
           <a:p>
             <a:r>
               <a:rPr lang="ko-KR" altLang="en-US" sz="1400" dirty="0"/>
-              <a:t>해당 파일 다운로드</a:t>
+              <a:t>해당 파일 저장</a:t>
             </a:r>
           </a:p>
         </p:txBody>

--- a/ppt/시스템프로그래밍_프로젝트_발표자료_곽영주_양현규_박종건.pptx
+++ b/ppt/시스템프로그래밍_프로젝트_발표자료_곽영주_양현규_박종건.pptx
@@ -211,7 +211,7 @@
           <a:p>
             <a:fld id="{E32CEA8B-6858-4428-B886-346F4960C150}" type="datetimeFigureOut">
               <a:rPr lang="ko-KR" altLang="en-US" smtClean="0"/>
-              <a:t>2021-12-04</a:t>
+              <a:t>2021-12-05</a:t>
             </a:fld>
             <a:endParaRPr lang="ko-KR" altLang="en-US"/>
           </a:p>
@@ -709,7 +709,7 @@
           <a:p>
             <a:fld id="{A8C9CBC2-FB00-4E65-A157-F975326D9E3B}" type="datetimeFigureOut">
               <a:rPr lang="ko-KR" altLang="en-US" smtClean="0"/>
-              <a:t>2021-12-04</a:t>
+              <a:t>2021-12-05</a:t>
             </a:fld>
             <a:endParaRPr lang="ko-KR" altLang="en-US"/>
           </a:p>
@@ -907,7 +907,7 @@
           <a:p>
             <a:fld id="{A8C9CBC2-FB00-4E65-A157-F975326D9E3B}" type="datetimeFigureOut">
               <a:rPr lang="ko-KR" altLang="en-US" smtClean="0"/>
-              <a:t>2021-12-04</a:t>
+              <a:t>2021-12-05</a:t>
             </a:fld>
             <a:endParaRPr lang="ko-KR" altLang="en-US"/>
           </a:p>
@@ -1115,7 +1115,7 @@
           <a:p>
             <a:fld id="{A8C9CBC2-FB00-4E65-A157-F975326D9E3B}" type="datetimeFigureOut">
               <a:rPr lang="ko-KR" altLang="en-US" smtClean="0"/>
-              <a:t>2021-12-04</a:t>
+              <a:t>2021-12-05</a:t>
             </a:fld>
             <a:endParaRPr lang="ko-KR" altLang="en-US"/>
           </a:p>
@@ -1313,7 +1313,7 @@
           <a:p>
             <a:fld id="{A8C9CBC2-FB00-4E65-A157-F975326D9E3B}" type="datetimeFigureOut">
               <a:rPr lang="ko-KR" altLang="en-US" smtClean="0"/>
-              <a:t>2021-12-04</a:t>
+              <a:t>2021-12-05</a:t>
             </a:fld>
             <a:endParaRPr lang="ko-KR" altLang="en-US"/>
           </a:p>
@@ -1588,7 +1588,7 @@
           <a:p>
             <a:fld id="{A8C9CBC2-FB00-4E65-A157-F975326D9E3B}" type="datetimeFigureOut">
               <a:rPr lang="ko-KR" altLang="en-US" smtClean="0"/>
-              <a:t>2021-12-04</a:t>
+              <a:t>2021-12-05</a:t>
             </a:fld>
             <a:endParaRPr lang="ko-KR" altLang="en-US"/>
           </a:p>
@@ -1853,7 +1853,7 @@
           <a:p>
             <a:fld id="{A8C9CBC2-FB00-4E65-A157-F975326D9E3B}" type="datetimeFigureOut">
               <a:rPr lang="ko-KR" altLang="en-US" smtClean="0"/>
-              <a:t>2021-12-04</a:t>
+              <a:t>2021-12-05</a:t>
             </a:fld>
             <a:endParaRPr lang="ko-KR" altLang="en-US"/>
           </a:p>
@@ -2265,7 +2265,7 @@
           <a:p>
             <a:fld id="{A8C9CBC2-FB00-4E65-A157-F975326D9E3B}" type="datetimeFigureOut">
               <a:rPr lang="ko-KR" altLang="en-US" smtClean="0"/>
-              <a:t>2021-12-04</a:t>
+              <a:t>2021-12-05</a:t>
             </a:fld>
             <a:endParaRPr lang="ko-KR" altLang="en-US"/>
           </a:p>
@@ -2406,7 +2406,7 @@
           <a:p>
             <a:fld id="{A8C9CBC2-FB00-4E65-A157-F975326D9E3B}" type="datetimeFigureOut">
               <a:rPr lang="ko-KR" altLang="en-US" smtClean="0"/>
-              <a:t>2021-12-04</a:t>
+              <a:t>2021-12-05</a:t>
             </a:fld>
             <a:endParaRPr lang="ko-KR" altLang="en-US"/>
           </a:p>
@@ -2519,7 +2519,7 @@
           <a:p>
             <a:fld id="{A8C9CBC2-FB00-4E65-A157-F975326D9E3B}" type="datetimeFigureOut">
               <a:rPr lang="ko-KR" altLang="en-US" smtClean="0"/>
-              <a:t>2021-12-04</a:t>
+              <a:t>2021-12-05</a:t>
             </a:fld>
             <a:endParaRPr lang="ko-KR" altLang="en-US"/>
           </a:p>
@@ -2830,7 +2830,7 @@
           <a:p>
             <a:fld id="{A8C9CBC2-FB00-4E65-A157-F975326D9E3B}" type="datetimeFigureOut">
               <a:rPr lang="ko-KR" altLang="en-US" smtClean="0"/>
-              <a:t>2021-12-04</a:t>
+              <a:t>2021-12-05</a:t>
             </a:fld>
             <a:endParaRPr lang="ko-KR" altLang="en-US"/>
           </a:p>
@@ -3118,7 +3118,7 @@
           <a:p>
             <a:fld id="{A8C9CBC2-FB00-4E65-A157-F975326D9E3B}" type="datetimeFigureOut">
               <a:rPr lang="ko-KR" altLang="en-US" smtClean="0"/>
-              <a:t>2021-12-04</a:t>
+              <a:t>2021-12-05</a:t>
             </a:fld>
             <a:endParaRPr lang="ko-KR" altLang="en-US"/>
           </a:p>
@@ -3359,7 +3359,7 @@
           <a:p>
             <a:fld id="{A8C9CBC2-FB00-4E65-A157-F975326D9E3B}" type="datetimeFigureOut">
               <a:rPr lang="ko-KR" altLang="en-US" smtClean="0"/>
-              <a:t>2021-12-04</a:t>
+              <a:t>2021-12-05</a:t>
             </a:fld>
             <a:endParaRPr lang="ko-KR" altLang="en-US"/>
           </a:p>
@@ -14944,7 +14944,7 @@
         <p:spPr>
           <a:xfrm>
             <a:off x="8172245" y="1043311"/>
-            <a:ext cx="840799" cy="369332"/>
+            <a:ext cx="964352" cy="369332"/>
           </a:xfrm>
           <a:prstGeom prst="rect">
             <a:avLst/>
@@ -14959,7 +14959,7 @@
           <a:p>
             <a:r>
               <a:rPr lang="en-US" altLang="ko-KR" b="1" dirty="0"/>
-              <a:t>reset</a:t>
+              <a:t>upload</a:t>
             </a:r>
             <a:endParaRPr lang="ko-KR" altLang="en-US" b="1" dirty="0"/>
           </a:p>
@@ -18923,8 +18923,8 @@
         </p:nvSpPr>
         <p:spPr>
           <a:xfrm>
-            <a:off x="8172245" y="1043311"/>
-            <a:ext cx="840799" cy="369332"/>
+            <a:off x="7973069" y="1032609"/>
+            <a:ext cx="1283368" cy="369332"/>
           </a:xfrm>
           <a:prstGeom prst="rect">
             <a:avLst/>
@@ -18939,7 +18939,7 @@
           <a:p>
             <a:r>
               <a:rPr lang="en-US" altLang="ko-KR" b="1" dirty="0"/>
-              <a:t>reset</a:t>
+              <a:t>download</a:t>
             </a:r>
             <a:endParaRPr lang="ko-KR" altLang="en-US" b="1" dirty="0"/>
           </a:p>
